--- a/TimeLine.pptx
+++ b/TimeLine.pptx
@@ -7,6 +7,7 @@
   <p:sldIdLst>
     <p:sldId id="256" r:id="rId2"/>
     <p:sldId id="257" r:id="rId3"/>
+    <p:sldId id="258" r:id="rId4"/>
   </p:sldIdLst>
   <p:sldSz cx="12192000" cy="6858000"/>
   <p:notesSz cx="6858000" cy="9144000"/>
@@ -105,6 +106,11 @@
       </a:defRPr>
     </a:lvl9pPr>
   </p:defaultTextStyle>
+  <p:extLst>
+    <p:ext uri="{EFAFB233-063F-42B5-8137-9DF3F51BA10A}">
+      <p15:sldGuideLst xmlns:p15="http://schemas.microsoft.com/office/powerpoint/2012/main"/>
+    </p:ext>
+  </p:extLst>
 </p:presentation>
 </file>
 
@@ -239,7 +245,7 @@
           <a:p>
             <a:fld id="{A79CB645-6BB8-4C4C-88A4-85273DB34239}" type="datetimeFigureOut">
               <a:rPr lang="zh-CN" altLang="en-US" smtClean="0"/>
-              <a:t>2017/10/16</a:t>
+              <a:t>2017/10/27</a:t>
             </a:fld>
             <a:endParaRPr lang="zh-CN" altLang="en-US"/>
           </a:p>
@@ -409,7 +415,7 @@
           <a:p>
             <a:fld id="{A79CB645-6BB8-4C4C-88A4-85273DB34239}" type="datetimeFigureOut">
               <a:rPr lang="zh-CN" altLang="en-US" smtClean="0"/>
-              <a:t>2017/10/16</a:t>
+              <a:t>2017/10/27</a:t>
             </a:fld>
             <a:endParaRPr lang="zh-CN" altLang="en-US"/>
           </a:p>
@@ -589,7 +595,7 @@
           <a:p>
             <a:fld id="{A79CB645-6BB8-4C4C-88A4-85273DB34239}" type="datetimeFigureOut">
               <a:rPr lang="zh-CN" altLang="en-US" smtClean="0"/>
-              <a:t>2017/10/16</a:t>
+              <a:t>2017/10/27</a:t>
             </a:fld>
             <a:endParaRPr lang="zh-CN" altLang="en-US"/>
           </a:p>
@@ -759,7 +765,7 @@
           <a:p>
             <a:fld id="{A79CB645-6BB8-4C4C-88A4-85273DB34239}" type="datetimeFigureOut">
               <a:rPr lang="zh-CN" altLang="en-US" smtClean="0"/>
-              <a:t>2017/10/16</a:t>
+              <a:t>2017/10/27</a:t>
             </a:fld>
             <a:endParaRPr lang="zh-CN" altLang="en-US"/>
           </a:p>
@@ -1005,7 +1011,7 @@
           <a:p>
             <a:fld id="{A79CB645-6BB8-4C4C-88A4-85273DB34239}" type="datetimeFigureOut">
               <a:rPr lang="zh-CN" altLang="en-US" smtClean="0"/>
-              <a:t>2017/10/16</a:t>
+              <a:t>2017/10/27</a:t>
             </a:fld>
             <a:endParaRPr lang="zh-CN" altLang="en-US"/>
           </a:p>
@@ -1237,7 +1243,7 @@
           <a:p>
             <a:fld id="{A79CB645-6BB8-4C4C-88A4-85273DB34239}" type="datetimeFigureOut">
               <a:rPr lang="zh-CN" altLang="en-US" smtClean="0"/>
-              <a:t>2017/10/16</a:t>
+              <a:t>2017/10/27</a:t>
             </a:fld>
             <a:endParaRPr lang="zh-CN" altLang="en-US"/>
           </a:p>
@@ -1604,7 +1610,7 @@
           <a:p>
             <a:fld id="{A79CB645-6BB8-4C4C-88A4-85273DB34239}" type="datetimeFigureOut">
               <a:rPr lang="zh-CN" altLang="en-US" smtClean="0"/>
-              <a:t>2017/10/16</a:t>
+              <a:t>2017/10/27</a:t>
             </a:fld>
             <a:endParaRPr lang="zh-CN" altLang="en-US"/>
           </a:p>
@@ -1722,7 +1728,7 @@
           <a:p>
             <a:fld id="{A79CB645-6BB8-4C4C-88A4-85273DB34239}" type="datetimeFigureOut">
               <a:rPr lang="zh-CN" altLang="en-US" smtClean="0"/>
-              <a:t>2017/10/16</a:t>
+              <a:t>2017/10/27</a:t>
             </a:fld>
             <a:endParaRPr lang="zh-CN" altLang="en-US"/>
           </a:p>
@@ -1817,7 +1823,7 @@
           <a:p>
             <a:fld id="{A79CB645-6BB8-4C4C-88A4-85273DB34239}" type="datetimeFigureOut">
               <a:rPr lang="zh-CN" altLang="en-US" smtClean="0"/>
-              <a:t>2017/10/16</a:t>
+              <a:t>2017/10/27</a:t>
             </a:fld>
             <a:endParaRPr lang="zh-CN" altLang="en-US"/>
           </a:p>
@@ -2094,7 +2100,7 @@
           <a:p>
             <a:fld id="{A79CB645-6BB8-4C4C-88A4-85273DB34239}" type="datetimeFigureOut">
               <a:rPr lang="zh-CN" altLang="en-US" smtClean="0"/>
-              <a:t>2017/10/16</a:t>
+              <a:t>2017/10/27</a:t>
             </a:fld>
             <a:endParaRPr lang="zh-CN" altLang="en-US"/>
           </a:p>
@@ -2347,7 +2353,7 @@
           <a:p>
             <a:fld id="{A79CB645-6BB8-4C4C-88A4-85273DB34239}" type="datetimeFigureOut">
               <a:rPr lang="zh-CN" altLang="en-US" smtClean="0"/>
-              <a:t>2017/10/16</a:t>
+              <a:t>2017/10/27</a:t>
             </a:fld>
             <a:endParaRPr lang="zh-CN" altLang="en-US"/>
           </a:p>
@@ -2560,7 +2566,7 @@
           <a:p>
             <a:fld id="{A79CB645-6BB8-4C4C-88A4-85273DB34239}" type="datetimeFigureOut">
               <a:rPr lang="zh-CN" altLang="en-US" smtClean="0"/>
-              <a:t>2017/10/16</a:t>
+              <a:t>2017/10/27</a:t>
             </a:fld>
             <a:endParaRPr lang="zh-CN" altLang="en-US"/>
           </a:p>
@@ -3051,14 +3057,14 @@
             <p:ph idx="1"/>
             <p:extLst>
               <p:ext uri="{D42A27DB-BD31-4B8C-83A1-F6EECF244321}">
-                <p14:modId xmlns:p14="http://schemas.microsoft.com/office/powerpoint/2010/main" val="3926025291"/>
+                <p14:modId xmlns:p14="http://schemas.microsoft.com/office/powerpoint/2010/main" val="2101142326"/>
               </p:ext>
             </p:extLst>
           </p:nvPr>
         </p:nvGraphicFramePr>
         <p:xfrm>
-          <a:off x="838200" y="1825625"/>
-          <a:ext cx="10515600" cy="1752600"/>
+          <a:off x="176049" y="322645"/>
+          <a:ext cx="11879317" cy="4246880"/>
         </p:xfrm>
         <a:graphic>
           <a:graphicData uri="http://schemas.openxmlformats.org/drawingml/2006/table">
@@ -3067,41 +3073,48 @@
                 <a:tableStyleId>{5C22544A-7EE6-4342-B048-85BDC9FD1C3A}</a:tableStyleId>
               </a:tblPr>
               <a:tblGrid>
-                <a:gridCol w="1379483">
+                <a:gridCol w="1684282">
                   <a:extLst>
                     <a:ext uri="{9D8B030D-6E8A-4147-A177-3AD203B41FA5}">
                       <a16:colId xmlns:a16="http://schemas.microsoft.com/office/drawing/2014/main" val="2473965488"/>
                     </a:ext>
                   </a:extLst>
                 </a:gridCol>
-                <a:gridCol w="1418896">
+                <a:gridCol w="1608083">
                   <a:extLst>
                     <a:ext uri="{9D8B030D-6E8A-4147-A177-3AD203B41FA5}">
                       <a16:colId xmlns:a16="http://schemas.microsoft.com/office/drawing/2014/main" val="781188978"/>
                     </a:ext>
                   </a:extLst>
                 </a:gridCol>
-                <a:gridCol w="3510981">
+                <a:gridCol w="2944475">
                   <a:extLst>
                     <a:ext uri="{9D8B030D-6E8A-4147-A177-3AD203B41FA5}">
                       <a16:colId xmlns:a16="http://schemas.microsoft.com/office/drawing/2014/main" val="528891021"/>
                     </a:ext>
                   </a:extLst>
                 </a:gridCol>
-                <a:gridCol w="2103120">
+                <a:gridCol w="1141176">
                   <a:extLst>
                     <a:ext uri="{9D8B030D-6E8A-4147-A177-3AD203B41FA5}">
                       <a16:colId xmlns:a16="http://schemas.microsoft.com/office/drawing/2014/main" val="2015375458"/>
                     </a:ext>
                   </a:extLst>
                 </a:gridCol>
-                <a:gridCol w="2103120">
+                <a:gridCol w="1162307">
                   <a:extLst>
                     <a:ext uri="{9D8B030D-6E8A-4147-A177-3AD203B41FA5}">
                       <a16:colId xmlns:a16="http://schemas.microsoft.com/office/drawing/2014/main" val="3952849910"/>
                     </a:ext>
                   </a:extLst>
                 </a:gridCol>
+                <a:gridCol w="3338994">
+                  <a:extLst>
+                    <a:ext uri="{9D8B030D-6E8A-4147-A177-3AD203B41FA5}">
+                      <a16:colId xmlns:a16="http://schemas.microsoft.com/office/drawing/2014/main" val="3052748629"/>
+                    </a:ext>
+                  </a:extLst>
+                </a:gridCol>
               </a:tblGrid>
               <a:tr h="370840">
                 <a:tc>
@@ -3173,6 +3186,21 @@
                       <a:r>
                         <a:rPr lang="zh-CN" altLang="en-US" dirty="0" smtClean="0"/>
                         <a:t>结束时间</a:t>
+                      </a:r>
+                      <a:endParaRPr lang="zh-CN" altLang="en-US" dirty="0"/>
+                    </a:p>
+                  </a:txBody>
+                  <a:tcPr/>
+                </a:tc>
+                <a:tc>
+                  <a:txBody>
+                    <a:bodyPr/>
+                    <a:lstStyle/>
+                    <a:p>
+                      <a:pPr algn="ctr"/>
+                      <a:r>
+                        <a:rPr lang="zh-CN" altLang="en-US" dirty="0" smtClean="0"/>
+                        <a:t>结果</a:t>
                       </a:r>
                       <a:endParaRPr lang="zh-CN" altLang="en-US" dirty="0"/>
                     </a:p>
@@ -3261,6 +3289,21 @@
                   </a:txBody>
                   <a:tcPr/>
                 </a:tc>
+                <a:tc>
+                  <a:txBody>
+                    <a:bodyPr/>
+                    <a:lstStyle/>
+                    <a:p>
+                      <a:pPr algn="ctr"/>
+                      <a:r>
+                        <a:rPr lang="zh-CN" altLang="en-US" dirty="0" smtClean="0"/>
+                        <a:t>完成</a:t>
+                      </a:r>
+                      <a:endParaRPr lang="zh-CN" altLang="en-US" dirty="0"/>
+                    </a:p>
+                  </a:txBody>
+                  <a:tcPr/>
+                </a:tc>
                 <a:extLst>
                   <a:ext uri="{0D108BD9-81ED-4DB2-BD59-A6C34878D82A}">
                     <a16:rowId xmlns:a16="http://schemas.microsoft.com/office/drawing/2014/main" val="1380287449"/>
@@ -3347,6 +3390,21 @@
                   </a:txBody>
                   <a:tcPr/>
                 </a:tc>
+                <a:tc>
+                  <a:txBody>
+                    <a:bodyPr/>
+                    <a:lstStyle/>
+                    <a:p>
+                      <a:pPr algn="ctr"/>
+                      <a:r>
+                        <a:rPr lang="zh-CN" altLang="en-US" dirty="0" smtClean="0"/>
+                        <a:t>完成</a:t>
+                      </a:r>
+                      <a:endParaRPr lang="zh-CN" altLang="en-US" dirty="0"/>
+                    </a:p>
+                  </a:txBody>
+                  <a:tcPr/>
+                </a:tc>
                 <a:extLst>
                   <a:ext uri="{0D108BD9-81ED-4DB2-BD59-A6C34878D82A}">
                     <a16:rowId xmlns:a16="http://schemas.microsoft.com/office/drawing/2014/main" val="2699030663"/>
@@ -3420,6 +3478,25 @@
                     <a:lstStyle/>
                     <a:p>
                       <a:pPr algn="ctr"/>
+                      <a:r>
+                        <a:rPr lang="en-US" altLang="zh-CN" dirty="0" smtClean="0"/>
+                        <a:t>17/10/16</a:t>
+                      </a:r>
+                      <a:endParaRPr lang="zh-CN" altLang="en-US" dirty="0"/>
+                    </a:p>
+                  </a:txBody>
+                  <a:tcPr/>
+                </a:tc>
+                <a:tc>
+                  <a:txBody>
+                    <a:bodyPr/>
+                    <a:lstStyle/>
+                    <a:p>
+                      <a:pPr algn="ctr"/>
+                      <a:r>
+                        <a:rPr lang="zh-CN" altLang="en-US" dirty="0" smtClean="0"/>
+                        <a:t>完成</a:t>
+                      </a:r>
                       <a:endParaRPr lang="zh-CN" altLang="en-US" dirty="0"/>
                     </a:p>
                   </a:txBody>
@@ -3428,6 +3505,632 @@
                 <a:extLst>
                   <a:ext uri="{0D108BD9-81ED-4DB2-BD59-A6C34878D82A}">
                     <a16:rowId xmlns:a16="http://schemas.microsoft.com/office/drawing/2014/main" val="668979821"/>
+                  </a:ext>
+                </a:extLst>
+              </a:tr>
+              <a:tr h="370840">
+                <a:tc>
+                  <a:txBody>
+                    <a:bodyPr/>
+                    <a:lstStyle/>
+                    <a:p>
+                      <a:pPr algn="ctr"/>
+                      <a:r>
+                        <a:rPr lang="en-US" altLang="zh-CN" dirty="0" err="1" smtClean="0"/>
+                        <a:t>BOOSTVis</a:t>
+                      </a:r>
+                      <a:endParaRPr lang="zh-CN" altLang="en-US" dirty="0"/>
+                    </a:p>
+                  </a:txBody>
+                  <a:tcPr/>
+                </a:tc>
+                <a:tc>
+                  <a:txBody>
+                    <a:bodyPr/>
+                    <a:lstStyle/>
+                    <a:p>
+                      <a:pPr algn="ctr"/>
+                      <a:r>
+                        <a:rPr lang="zh-CN" altLang="en-US" dirty="0" smtClean="0"/>
+                        <a:t>特征视图</a:t>
+                      </a:r>
+                      <a:endParaRPr lang="zh-CN" altLang="en-US" dirty="0"/>
+                    </a:p>
+                  </a:txBody>
+                  <a:tcPr/>
+                </a:tc>
+                <a:tc>
+                  <a:txBody>
+                    <a:bodyPr/>
+                    <a:lstStyle/>
+                    <a:p>
+                      <a:pPr algn="ctr"/>
+                      <a:r>
+                        <a:rPr lang="zh-CN" altLang="en-US" dirty="0" smtClean="0"/>
+                        <a:t>纵向变换系数更改</a:t>
+                      </a:r>
+                      <a:endParaRPr lang="zh-CN" altLang="en-US" dirty="0"/>
+                    </a:p>
+                  </a:txBody>
+                  <a:tcPr/>
+                </a:tc>
+                <a:tc>
+                  <a:txBody>
+                    <a:bodyPr/>
+                    <a:lstStyle/>
+                    <a:p>
+                      <a:pPr algn="ctr"/>
+                      <a:r>
+                        <a:rPr lang="en-US" altLang="zh-CN" dirty="0" smtClean="0"/>
+                        <a:t>17/10/16</a:t>
+                      </a:r>
+                      <a:endParaRPr lang="zh-CN" altLang="en-US" dirty="0"/>
+                    </a:p>
+                  </a:txBody>
+                  <a:tcPr/>
+                </a:tc>
+                <a:tc>
+                  <a:txBody>
+                    <a:bodyPr/>
+                    <a:lstStyle/>
+                    <a:p>
+                      <a:pPr algn="ctr"/>
+                      <a:r>
+                        <a:rPr lang="en-US" altLang="zh-CN" dirty="0" smtClean="0"/>
+                        <a:t>17/10/17</a:t>
+                      </a:r>
+                      <a:endParaRPr lang="zh-CN" altLang="en-US" dirty="0"/>
+                    </a:p>
+                  </a:txBody>
+                  <a:tcPr/>
+                </a:tc>
+                <a:tc>
+                  <a:txBody>
+                    <a:bodyPr/>
+                    <a:lstStyle/>
+                    <a:p>
+                      <a:pPr algn="ctr"/>
+                      <a:r>
+                        <a:rPr lang="zh-CN" altLang="en-US" dirty="0" smtClean="0"/>
+                        <a:t>完成</a:t>
+                      </a:r>
+                      <a:endParaRPr lang="zh-CN" altLang="en-US" dirty="0"/>
+                    </a:p>
+                  </a:txBody>
+                  <a:tcPr/>
+                </a:tc>
+                <a:extLst>
+                  <a:ext uri="{0D108BD9-81ED-4DB2-BD59-A6C34878D82A}">
+                    <a16:rowId xmlns:a16="http://schemas.microsoft.com/office/drawing/2014/main" val="3269748651"/>
+                  </a:ext>
+                </a:extLst>
+              </a:tr>
+              <a:tr h="370840">
+                <a:tc>
+                  <a:txBody>
+                    <a:bodyPr/>
+                    <a:lstStyle/>
+                    <a:p>
+                      <a:pPr algn="ctr"/>
+                      <a:r>
+                        <a:rPr lang="en-US" altLang="zh-CN" dirty="0" err="1" smtClean="0"/>
+                        <a:t>BOOSTVis</a:t>
+                      </a:r>
+                      <a:endParaRPr lang="zh-CN" altLang="en-US" dirty="0"/>
+                    </a:p>
+                  </a:txBody>
+                  <a:tcPr/>
+                </a:tc>
+                <a:tc>
+                  <a:txBody>
+                    <a:bodyPr/>
+                    <a:lstStyle/>
+                    <a:p>
+                      <a:pPr algn="ctr"/>
+                      <a:r>
+                        <a:rPr lang="zh-CN" altLang="en-US" dirty="0" smtClean="0"/>
+                        <a:t>分类器视图</a:t>
+                      </a:r>
+                      <a:endParaRPr lang="zh-CN" altLang="en-US" dirty="0"/>
+                    </a:p>
+                  </a:txBody>
+                  <a:tcPr/>
+                </a:tc>
+                <a:tc>
+                  <a:txBody>
+                    <a:bodyPr/>
+                    <a:lstStyle/>
+                    <a:p>
+                      <a:pPr algn="ctr"/>
+                      <a:r>
+                        <a:rPr lang="en-US" altLang="zh-CN" dirty="0" smtClean="0"/>
+                        <a:t>Table lens</a:t>
+                      </a:r>
+                      <a:endParaRPr lang="zh-CN" altLang="en-US" dirty="0"/>
+                    </a:p>
+                  </a:txBody>
+                  <a:tcPr/>
+                </a:tc>
+                <a:tc>
+                  <a:txBody>
+                    <a:bodyPr/>
+                    <a:lstStyle/>
+                    <a:p>
+                      <a:pPr algn="ctr"/>
+                      <a:r>
+                        <a:rPr lang="en-US" altLang="zh-CN" dirty="0" smtClean="0"/>
+                        <a:t>17/10/17</a:t>
+                      </a:r>
+                      <a:endParaRPr lang="zh-CN" altLang="en-US" dirty="0"/>
+                    </a:p>
+                  </a:txBody>
+                  <a:tcPr/>
+                </a:tc>
+                <a:tc>
+                  <a:txBody>
+                    <a:bodyPr/>
+                    <a:lstStyle/>
+                    <a:p>
+                      <a:pPr algn="ctr"/>
+                      <a:r>
+                        <a:rPr lang="en-US" altLang="zh-CN" dirty="0" smtClean="0"/>
+                        <a:t>17/10/17</a:t>
+                      </a:r>
+                      <a:endParaRPr lang="zh-CN" altLang="en-US" dirty="0"/>
+                    </a:p>
+                  </a:txBody>
+                  <a:tcPr/>
+                </a:tc>
+                <a:tc>
+                  <a:txBody>
+                    <a:bodyPr/>
+                    <a:lstStyle/>
+                    <a:p>
+                      <a:pPr algn="ctr"/>
+                      <a:r>
+                        <a:rPr lang="zh-CN" altLang="en-US" dirty="0" smtClean="0"/>
+                        <a:t>完成</a:t>
+                      </a:r>
+                      <a:endParaRPr lang="zh-CN" altLang="en-US" dirty="0"/>
+                    </a:p>
+                  </a:txBody>
+                  <a:tcPr/>
+                </a:tc>
+                <a:extLst>
+                  <a:ext uri="{0D108BD9-81ED-4DB2-BD59-A6C34878D82A}">
+                    <a16:rowId xmlns:a16="http://schemas.microsoft.com/office/drawing/2014/main" val="2198004790"/>
+                  </a:ext>
+                </a:extLst>
+              </a:tr>
+              <a:tr h="370840">
+                <a:tc>
+                  <a:txBody>
+                    <a:bodyPr/>
+                    <a:lstStyle/>
+                    <a:p>
+                      <a:pPr algn="ctr"/>
+                      <a:r>
+                        <a:rPr lang="en-US" altLang="zh-CN" dirty="0" err="1" smtClean="0"/>
+                        <a:t>Flok</a:t>
+                      </a:r>
+                      <a:endParaRPr lang="zh-CN" altLang="en-US" dirty="0"/>
+                    </a:p>
+                  </a:txBody>
+                  <a:tcPr/>
+                </a:tc>
+                <a:tc>
+                  <a:txBody>
+                    <a:bodyPr/>
+                    <a:lstStyle/>
+                    <a:p>
+                      <a:pPr algn="ctr"/>
+                      <a:r>
+                        <a:rPr lang="en-US" altLang="zh-CN" dirty="0" err="1" smtClean="0"/>
+                        <a:t>XGBoost</a:t>
+                      </a:r>
+                      <a:r>
+                        <a:rPr lang="zh-CN" altLang="en-US" dirty="0" smtClean="0"/>
+                        <a:t>算子</a:t>
+                      </a:r>
+                      <a:endParaRPr lang="zh-CN" altLang="en-US" dirty="0"/>
+                    </a:p>
+                  </a:txBody>
+                  <a:tcPr/>
+                </a:tc>
+                <a:tc>
+                  <a:txBody>
+                    <a:bodyPr/>
+                    <a:lstStyle/>
+                    <a:p>
+                      <a:pPr algn="ctr"/>
+                      <a:r>
+                        <a:rPr lang="en-US" altLang="zh-CN" dirty="0" err="1" smtClean="0"/>
+                        <a:t>BOOSTVis</a:t>
+                      </a:r>
+                      <a:r>
+                        <a:rPr lang="zh-CN" altLang="en-US" dirty="0" smtClean="0"/>
+                        <a:t>集成</a:t>
+                      </a:r>
+                      <a:endParaRPr lang="zh-CN" altLang="en-US" dirty="0"/>
+                    </a:p>
+                  </a:txBody>
+                  <a:tcPr/>
+                </a:tc>
+                <a:tc>
+                  <a:txBody>
+                    <a:bodyPr/>
+                    <a:lstStyle/>
+                    <a:p>
+                      <a:pPr algn="ctr"/>
+                      <a:r>
+                        <a:rPr lang="en-US" altLang="zh-CN" dirty="0" smtClean="0"/>
+                        <a:t>17/10/17</a:t>
+                      </a:r>
+                      <a:endParaRPr lang="zh-CN" altLang="en-US" dirty="0"/>
+                    </a:p>
+                  </a:txBody>
+                  <a:tcPr/>
+                </a:tc>
+                <a:tc>
+                  <a:txBody>
+                    <a:bodyPr/>
+                    <a:lstStyle/>
+                    <a:p>
+                      <a:pPr algn="ctr"/>
+                      <a:r>
+                        <a:rPr lang="en-US" altLang="zh-CN" dirty="0" smtClean="0"/>
+                        <a:t>17/10/17</a:t>
+                      </a:r>
+                      <a:endParaRPr lang="zh-CN" altLang="en-US" dirty="0"/>
+                    </a:p>
+                  </a:txBody>
+                  <a:tcPr/>
+                </a:tc>
+                <a:tc>
+                  <a:txBody>
+                    <a:bodyPr/>
+                    <a:lstStyle/>
+                    <a:p>
+                      <a:pPr algn="ctr"/>
+                      <a:r>
+                        <a:rPr lang="zh-CN" altLang="en-US" dirty="0" smtClean="0"/>
+                        <a:t>搁置（</a:t>
+                      </a:r>
+                      <a:r>
+                        <a:rPr lang="en-US" altLang="zh-CN" dirty="0" err="1" smtClean="0"/>
+                        <a:t>Flok</a:t>
+                      </a:r>
+                      <a:r>
+                        <a:rPr lang="zh-CN" altLang="en-US" dirty="0" smtClean="0"/>
+                        <a:t>项目服务器崩溃）</a:t>
+                      </a:r>
+                      <a:endParaRPr lang="zh-CN" altLang="en-US" dirty="0"/>
+                    </a:p>
+                  </a:txBody>
+                  <a:tcPr/>
+                </a:tc>
+                <a:extLst>
+                  <a:ext uri="{0D108BD9-81ED-4DB2-BD59-A6C34878D82A}">
+                    <a16:rowId xmlns:a16="http://schemas.microsoft.com/office/drawing/2014/main" val="2896501494"/>
+                  </a:ext>
+                </a:extLst>
+              </a:tr>
+              <a:tr h="370840">
+                <a:tc>
+                  <a:txBody>
+                    <a:bodyPr/>
+                    <a:lstStyle/>
+                    <a:p>
+                      <a:pPr algn="ctr"/>
+                      <a:r>
+                        <a:rPr lang="en-US" altLang="zh-CN" dirty="0" smtClean="0"/>
+                        <a:t>Term project</a:t>
+                      </a:r>
+                      <a:endParaRPr lang="zh-CN" altLang="en-US" dirty="0"/>
+                    </a:p>
+                  </a:txBody>
+                  <a:tcPr/>
+                </a:tc>
+                <a:tc>
+                  <a:txBody>
+                    <a:bodyPr/>
+                    <a:lstStyle/>
+                    <a:p>
+                      <a:pPr algn="ctr"/>
+                      <a:r>
+                        <a:rPr lang="zh-CN" altLang="en-US" dirty="0" smtClean="0"/>
+                        <a:t>会议记录</a:t>
+                      </a:r>
+                      <a:endParaRPr lang="zh-CN" altLang="en-US" dirty="0"/>
+                    </a:p>
+                  </a:txBody>
+                  <a:tcPr/>
+                </a:tc>
+                <a:tc>
+                  <a:txBody>
+                    <a:bodyPr/>
+                    <a:lstStyle/>
+                    <a:p>
+                      <a:pPr algn="ctr"/>
+                      <a:r>
+                        <a:rPr lang="zh-CN" altLang="en-US" dirty="0" smtClean="0"/>
+                        <a:t>语音分析库</a:t>
+                      </a:r>
+                      <a:r>
+                        <a:rPr lang="en-US" altLang="zh-CN" dirty="0" err="1" smtClean="0"/>
+                        <a:t>marsyas</a:t>
+                      </a:r>
+                      <a:r>
+                        <a:rPr lang="zh-CN" altLang="en-US" dirty="0" smtClean="0"/>
+                        <a:t>熟悉</a:t>
+                      </a:r>
+                      <a:endParaRPr lang="zh-CN" altLang="en-US" dirty="0"/>
+                    </a:p>
+                  </a:txBody>
+                  <a:tcPr/>
+                </a:tc>
+                <a:tc>
+                  <a:txBody>
+                    <a:bodyPr/>
+                    <a:lstStyle/>
+                    <a:p>
+                      <a:pPr algn="ctr"/>
+                      <a:r>
+                        <a:rPr lang="en-US" altLang="zh-CN" dirty="0" smtClean="0"/>
+                        <a:t>17/10/17</a:t>
+                      </a:r>
+                      <a:endParaRPr lang="zh-CN" altLang="en-US" dirty="0"/>
+                    </a:p>
+                  </a:txBody>
+                  <a:tcPr/>
+                </a:tc>
+                <a:tc>
+                  <a:txBody>
+                    <a:bodyPr/>
+                    <a:lstStyle/>
+                    <a:p>
+                      <a:pPr algn="ctr"/>
+                      <a:r>
+                        <a:rPr lang="en-US" altLang="zh-CN" dirty="0" smtClean="0"/>
+                        <a:t>17/10/18</a:t>
+                      </a:r>
+                      <a:endParaRPr lang="zh-CN" altLang="en-US" dirty="0"/>
+                    </a:p>
+                  </a:txBody>
+                  <a:tcPr/>
+                </a:tc>
+                <a:tc>
+                  <a:txBody>
+                    <a:bodyPr/>
+                    <a:lstStyle/>
+                    <a:p>
+                      <a:pPr algn="ctr"/>
+                      <a:r>
+                        <a:rPr lang="en-US" altLang="zh-CN" dirty="0" err="1" smtClean="0"/>
+                        <a:t>Dll</a:t>
+                      </a:r>
+                      <a:r>
+                        <a:rPr lang="zh-CN" altLang="en-US" dirty="0" smtClean="0"/>
+                        <a:t>编译问题暂未解决</a:t>
+                      </a:r>
+                      <a:endParaRPr lang="zh-CN" altLang="en-US" dirty="0"/>
+                    </a:p>
+                  </a:txBody>
+                  <a:tcPr/>
+                </a:tc>
+                <a:extLst>
+                  <a:ext uri="{0D108BD9-81ED-4DB2-BD59-A6C34878D82A}">
+                    <a16:rowId xmlns:a16="http://schemas.microsoft.com/office/drawing/2014/main" val="3131167396"/>
+                  </a:ext>
+                </a:extLst>
+              </a:tr>
+              <a:tr h="370840">
+                <a:tc>
+                  <a:txBody>
+                    <a:bodyPr/>
+                    <a:lstStyle/>
+                    <a:p>
+                      <a:pPr algn="ctr"/>
+                      <a:r>
+                        <a:rPr lang="en-US" altLang="zh-CN" dirty="0" smtClean="0"/>
+                        <a:t>Paper Reading</a:t>
+                      </a:r>
+                      <a:endParaRPr lang="zh-CN" altLang="en-US" dirty="0"/>
+                    </a:p>
+                  </a:txBody>
+                  <a:tcPr/>
+                </a:tc>
+                <a:tc>
+                  <a:txBody>
+                    <a:bodyPr/>
+                    <a:lstStyle/>
+                    <a:p>
+                      <a:pPr algn="ctr"/>
+                      <a:r>
+                        <a:rPr lang="en-US" altLang="zh-CN" dirty="0" smtClean="0"/>
+                        <a:t>Paper 1</a:t>
+                      </a:r>
+                      <a:endParaRPr lang="zh-CN" altLang="en-US" dirty="0"/>
+                    </a:p>
+                  </a:txBody>
+                  <a:tcPr/>
+                </a:tc>
+                <a:tc>
+                  <a:txBody>
+                    <a:bodyPr/>
+                    <a:lstStyle/>
+                    <a:p>
+                      <a:pPr marL="0" marR="0" indent="0" algn="ctr" defTabSz="914400" rtl="0" eaLnBrk="1" fontAlgn="auto" latinLnBrk="0" hangingPunct="1">
+                        <a:lnSpc>
+                          <a:spcPct val="100000"/>
+                        </a:lnSpc>
+                        <a:spcBef>
+                          <a:spcPts val="0"/>
+                        </a:spcBef>
+                        <a:spcAft>
+                          <a:spcPts val="0"/>
+                        </a:spcAft>
+                        <a:buClrTx/>
+                        <a:buSzTx/>
+                        <a:buFontTx/>
+                        <a:buNone/>
+                        <a:tabLst/>
+                        <a:defRPr/>
+                      </a:pPr>
+                      <a:r>
+                        <a:rPr lang="en-US" altLang="zh-CN" dirty="0" smtClean="0"/>
+                        <a:t>Active Reading of Visualizations</a:t>
+                      </a:r>
+                      <a:endParaRPr lang="zh-CN" altLang="en-US" dirty="0" smtClean="0"/>
+                    </a:p>
+                  </a:txBody>
+                  <a:tcPr/>
+                </a:tc>
+                <a:tc>
+                  <a:txBody>
+                    <a:bodyPr/>
+                    <a:lstStyle/>
+                    <a:p>
+                      <a:pPr algn="ctr"/>
+                      <a:r>
+                        <a:rPr lang="en-US" altLang="zh-CN" dirty="0" smtClean="0"/>
+                        <a:t>17/10/18</a:t>
+                      </a:r>
+                      <a:endParaRPr lang="zh-CN" altLang="en-US" dirty="0"/>
+                    </a:p>
+                  </a:txBody>
+                  <a:tcPr/>
+                </a:tc>
+                <a:tc>
+                  <a:txBody>
+                    <a:bodyPr/>
+                    <a:lstStyle/>
+                    <a:p>
+                      <a:pPr algn="ctr"/>
+                      <a:r>
+                        <a:rPr lang="en-US" altLang="zh-CN" dirty="0" smtClean="0"/>
+                        <a:t>17/10/19</a:t>
+                      </a:r>
+                      <a:endParaRPr lang="zh-CN" altLang="en-US" dirty="0"/>
+                    </a:p>
+                  </a:txBody>
+                  <a:tcPr/>
+                </a:tc>
+                <a:tc>
+                  <a:txBody>
+                    <a:bodyPr/>
+                    <a:lstStyle/>
+                    <a:p>
+                      <a:pPr algn="ctr"/>
+                      <a:r>
+                        <a:rPr lang="zh-CN" altLang="en-US" dirty="0" smtClean="0"/>
+                        <a:t>完成</a:t>
+                      </a:r>
+                      <a:endParaRPr lang="zh-CN" altLang="en-US" dirty="0"/>
+                    </a:p>
+                  </a:txBody>
+                  <a:tcPr/>
+                </a:tc>
+                <a:extLst>
+                  <a:ext uri="{0D108BD9-81ED-4DB2-BD59-A6C34878D82A}">
+                    <a16:rowId xmlns:a16="http://schemas.microsoft.com/office/drawing/2014/main" val="1492804893"/>
+                  </a:ext>
+                </a:extLst>
+              </a:tr>
+              <a:tr h="370840">
+                <a:tc>
+                  <a:txBody>
+                    <a:bodyPr/>
+                    <a:lstStyle/>
+                    <a:p>
+                      <a:pPr algn="ctr"/>
+                      <a:r>
+                        <a:rPr lang="en-US" altLang="zh-CN" dirty="0" err="1" smtClean="0"/>
+                        <a:t>Flok</a:t>
+                      </a:r>
+                      <a:endParaRPr lang="zh-CN" altLang="en-US" dirty="0"/>
+                    </a:p>
+                  </a:txBody>
+                  <a:tcPr/>
+                </a:tc>
+                <a:tc>
+                  <a:txBody>
+                    <a:bodyPr/>
+                    <a:lstStyle/>
+                    <a:p>
+                      <a:pPr algn="ctr"/>
+                      <a:r>
+                        <a:rPr lang="en-US" altLang="zh-CN" dirty="0" err="1" smtClean="0"/>
+                        <a:t>XGBoost</a:t>
+                      </a:r>
+                      <a:r>
+                        <a:rPr lang="zh-CN" altLang="en-US" dirty="0" smtClean="0"/>
+                        <a:t>算子</a:t>
+                      </a:r>
+                      <a:endParaRPr lang="zh-CN" altLang="en-US" dirty="0"/>
+                    </a:p>
+                  </a:txBody>
+                  <a:tcPr/>
+                </a:tc>
+                <a:tc>
+                  <a:txBody>
+                    <a:bodyPr/>
+                    <a:lstStyle/>
+                    <a:p>
+                      <a:pPr algn="ctr"/>
+                      <a:r>
+                        <a:rPr lang="en-US" altLang="zh-CN" dirty="0" err="1" smtClean="0"/>
+                        <a:t>BOOSTVis</a:t>
+                      </a:r>
+                      <a:r>
+                        <a:rPr lang="zh-CN" altLang="en-US" dirty="0" smtClean="0"/>
+                        <a:t>集成</a:t>
+                      </a:r>
+                      <a:endParaRPr lang="zh-CN" altLang="en-US" dirty="0"/>
+                    </a:p>
+                  </a:txBody>
+                  <a:tcPr/>
+                </a:tc>
+                <a:tc>
+                  <a:txBody>
+                    <a:bodyPr/>
+                    <a:lstStyle/>
+                    <a:p>
+                      <a:pPr algn="ctr"/>
+                      <a:r>
+                        <a:rPr lang="en-US" altLang="zh-CN" dirty="0" smtClean="0"/>
+                        <a:t>17/10/20</a:t>
+                      </a:r>
+                      <a:endParaRPr lang="zh-CN" altLang="en-US" dirty="0"/>
+                    </a:p>
+                  </a:txBody>
+                  <a:tcPr/>
+                </a:tc>
+                <a:tc>
+                  <a:txBody>
+                    <a:bodyPr/>
+                    <a:lstStyle/>
+                    <a:p>
+                      <a:pPr algn="ctr"/>
+                      <a:endParaRPr lang="zh-CN" altLang="en-US" dirty="0"/>
+                    </a:p>
+                  </a:txBody>
+                  <a:tcPr/>
+                </a:tc>
+                <a:tc>
+                  <a:txBody>
+                    <a:bodyPr/>
+                    <a:lstStyle/>
+                    <a:p>
+                      <a:pPr algn="ctr"/>
+                      <a:endParaRPr lang="zh-CN" altLang="en-US" dirty="0"/>
+                    </a:p>
+                  </a:txBody>
+                  <a:tcPr/>
+                </a:tc>
+                <a:extLst>
+                  <a:ext uri="{0D108BD9-81ED-4DB2-BD59-A6C34878D82A}">
+                    <a16:rowId xmlns:a16="http://schemas.microsoft.com/office/drawing/2014/main" val="2188292132"/>
                   </a:ext>
                 </a:extLst>
               </a:tr>
@@ -3439,6 +4142,727 @@
     <p:extLst>
       <p:ext uri="{BB962C8B-B14F-4D97-AF65-F5344CB8AC3E}">
         <p14:creationId xmlns:p14="http://schemas.microsoft.com/office/powerpoint/2010/main" val="2878648085"/>
+      </p:ext>
+    </p:extLst>
+  </p:cSld>
+  <p:clrMapOvr>
+    <a:masterClrMapping/>
+  </p:clrMapOvr>
+</p:sld>
+</file>
+
+<file path=ppt/slides/slide3.xml><?xml version="1.0" encoding="utf-8"?>
+<p:sld xmlns:a="http://schemas.openxmlformats.org/drawingml/2006/main" xmlns:r="http://schemas.openxmlformats.org/officeDocument/2006/relationships" xmlns:p="http://schemas.openxmlformats.org/presentationml/2006/main">
+  <p:cSld>
+    <p:spTree>
+      <p:nvGrpSpPr>
+        <p:cNvPr id="1" name=""/>
+        <p:cNvGrpSpPr/>
+        <p:nvPr/>
+      </p:nvGrpSpPr>
+      <p:grpSpPr>
+        <a:xfrm>
+          <a:off x="0" y="0"/>
+          <a:ext cx="0" cy="0"/>
+          <a:chOff x="0" y="0"/>
+          <a:chExt cx="0" cy="0"/>
+        </a:xfrm>
+      </p:grpSpPr>
+      <p:graphicFrame>
+        <p:nvGraphicFramePr>
+          <p:cNvPr id="4" name="内容占位符 3"/>
+          <p:cNvGraphicFramePr>
+            <a:graphicFrameLocks noGrp="1"/>
+          </p:cNvGraphicFramePr>
+          <p:nvPr>
+            <p:ph idx="1"/>
+            <p:extLst>
+              <p:ext uri="{D42A27DB-BD31-4B8C-83A1-F6EECF244321}">
+                <p14:modId xmlns:p14="http://schemas.microsoft.com/office/powerpoint/2010/main" val="292015225"/>
+              </p:ext>
+            </p:extLst>
+          </p:nvPr>
+        </p:nvGraphicFramePr>
+        <p:xfrm>
+          <a:off x="176049" y="322645"/>
+          <a:ext cx="11879317" cy="3586480"/>
+        </p:xfrm>
+        <a:graphic>
+          <a:graphicData uri="http://schemas.openxmlformats.org/drawingml/2006/table">
+            <a:tbl>
+              <a:tblPr firstRow="1" bandRow="1">
+                <a:tableStyleId>{5C22544A-7EE6-4342-B048-85BDC9FD1C3A}</a:tableStyleId>
+              </a:tblPr>
+              <a:tblGrid>
+                <a:gridCol w="1684282">
+                  <a:extLst>
+                    <a:ext uri="{9D8B030D-6E8A-4147-A177-3AD203B41FA5}">
+                      <a16:colId xmlns:a16="http://schemas.microsoft.com/office/drawing/2014/main" val="2473965488"/>
+                    </a:ext>
+                  </a:extLst>
+                </a:gridCol>
+                <a:gridCol w="1723527">
+                  <a:extLst>
+                    <a:ext uri="{9D8B030D-6E8A-4147-A177-3AD203B41FA5}">
+                      <a16:colId xmlns:a16="http://schemas.microsoft.com/office/drawing/2014/main" val="781188978"/>
+                    </a:ext>
+                  </a:extLst>
+                </a:gridCol>
+                <a:gridCol w="2949677">
+                  <a:extLst>
+                    <a:ext uri="{9D8B030D-6E8A-4147-A177-3AD203B41FA5}">
+                      <a16:colId xmlns:a16="http://schemas.microsoft.com/office/drawing/2014/main" val="528891021"/>
+                    </a:ext>
+                  </a:extLst>
+                </a:gridCol>
+                <a:gridCol w="1216742">
+                  <a:extLst>
+                    <a:ext uri="{9D8B030D-6E8A-4147-A177-3AD203B41FA5}">
+                      <a16:colId xmlns:a16="http://schemas.microsoft.com/office/drawing/2014/main" val="2015375458"/>
+                    </a:ext>
+                  </a:extLst>
+                </a:gridCol>
+                <a:gridCol w="1268362">
+                  <a:extLst>
+                    <a:ext uri="{9D8B030D-6E8A-4147-A177-3AD203B41FA5}">
+                      <a16:colId xmlns:a16="http://schemas.microsoft.com/office/drawing/2014/main" val="3952849910"/>
+                    </a:ext>
+                  </a:extLst>
+                </a:gridCol>
+                <a:gridCol w="3036727">
+                  <a:extLst>
+                    <a:ext uri="{9D8B030D-6E8A-4147-A177-3AD203B41FA5}">
+                      <a16:colId xmlns:a16="http://schemas.microsoft.com/office/drawing/2014/main" val="3052748629"/>
+                    </a:ext>
+                  </a:extLst>
+                </a:gridCol>
+              </a:tblGrid>
+              <a:tr h="370840">
+                <a:tc>
+                  <a:txBody>
+                    <a:bodyPr/>
+                    <a:lstStyle/>
+                    <a:p>
+                      <a:pPr algn="ctr"/>
+                      <a:r>
+                        <a:rPr lang="zh-CN" altLang="en-US" dirty="0" smtClean="0"/>
+                        <a:t>项目</a:t>
+                      </a:r>
+                      <a:endParaRPr lang="zh-CN" altLang="en-US" dirty="0"/>
+                    </a:p>
+                  </a:txBody>
+                  <a:tcPr/>
+                </a:tc>
+                <a:tc>
+                  <a:txBody>
+                    <a:bodyPr/>
+                    <a:lstStyle/>
+                    <a:p>
+                      <a:pPr algn="ctr"/>
+                      <a:r>
+                        <a:rPr lang="zh-CN" altLang="en-US" dirty="0" smtClean="0"/>
+                        <a:t>模块</a:t>
+                      </a:r>
+                      <a:endParaRPr lang="zh-CN" altLang="en-US" dirty="0"/>
+                    </a:p>
+                  </a:txBody>
+                  <a:tcPr/>
+                </a:tc>
+                <a:tc>
+                  <a:txBody>
+                    <a:bodyPr/>
+                    <a:lstStyle/>
+                    <a:p>
+                      <a:pPr algn="ctr"/>
+                      <a:r>
+                        <a:rPr lang="zh-CN" altLang="en-US" dirty="0" smtClean="0"/>
+                        <a:t>具体任务</a:t>
+                      </a:r>
+                      <a:endParaRPr lang="zh-CN" altLang="en-US" dirty="0"/>
+                    </a:p>
+                  </a:txBody>
+                  <a:tcPr/>
+                </a:tc>
+                <a:tc>
+                  <a:txBody>
+                    <a:bodyPr/>
+                    <a:lstStyle/>
+                    <a:p>
+                      <a:pPr algn="ctr"/>
+                      <a:r>
+                        <a:rPr lang="zh-CN" altLang="en-US" dirty="0" smtClean="0"/>
+                        <a:t>开始时间</a:t>
+                      </a:r>
+                      <a:endParaRPr lang="zh-CN" altLang="en-US" dirty="0"/>
+                    </a:p>
+                  </a:txBody>
+                  <a:tcPr/>
+                </a:tc>
+                <a:tc>
+                  <a:txBody>
+                    <a:bodyPr/>
+                    <a:lstStyle/>
+                    <a:p>
+                      <a:pPr algn="ctr"/>
+                      <a:r>
+                        <a:rPr lang="zh-CN" altLang="en-US" dirty="0" smtClean="0"/>
+                        <a:t>结束时间</a:t>
+                      </a:r>
+                      <a:endParaRPr lang="zh-CN" altLang="en-US" dirty="0"/>
+                    </a:p>
+                  </a:txBody>
+                  <a:tcPr/>
+                </a:tc>
+                <a:tc>
+                  <a:txBody>
+                    <a:bodyPr/>
+                    <a:lstStyle/>
+                    <a:p>
+                      <a:pPr algn="ctr"/>
+                      <a:r>
+                        <a:rPr lang="zh-CN" altLang="en-US" dirty="0" smtClean="0"/>
+                        <a:t>结果</a:t>
+                      </a:r>
+                      <a:endParaRPr lang="zh-CN" altLang="en-US" dirty="0"/>
+                    </a:p>
+                  </a:txBody>
+                  <a:tcPr/>
+                </a:tc>
+                <a:extLst>
+                  <a:ext uri="{0D108BD9-81ED-4DB2-BD59-A6C34878D82A}">
+                    <a16:rowId xmlns:a16="http://schemas.microsoft.com/office/drawing/2014/main" val="1634456069"/>
+                  </a:ext>
+                </a:extLst>
+              </a:tr>
+              <a:tr h="370840">
+                <a:tc>
+                  <a:txBody>
+                    <a:bodyPr/>
+                    <a:lstStyle/>
+                    <a:p>
+                      <a:pPr algn="ctr"/>
+                      <a:r>
+                        <a:rPr lang="en-US" altLang="zh-CN" dirty="0" smtClean="0"/>
+                        <a:t>Paper Reading</a:t>
+                      </a:r>
+                      <a:endParaRPr lang="zh-CN" altLang="en-US" dirty="0"/>
+                    </a:p>
+                  </a:txBody>
+                  <a:tcPr/>
+                </a:tc>
+                <a:tc>
+                  <a:txBody>
+                    <a:bodyPr/>
+                    <a:lstStyle/>
+                    <a:p>
+                      <a:pPr algn="ctr"/>
+                      <a:r>
+                        <a:rPr lang="en-US" altLang="zh-CN" dirty="0" smtClean="0"/>
+                        <a:t>Paper 2</a:t>
+                      </a:r>
+                      <a:endParaRPr lang="zh-CN" altLang="en-US" dirty="0"/>
+                    </a:p>
+                  </a:txBody>
+                  <a:tcPr/>
+                </a:tc>
+                <a:tc>
+                  <a:txBody>
+                    <a:bodyPr/>
+                    <a:lstStyle/>
+                    <a:p>
+                      <a:pPr marL="0" marR="0" indent="0" algn="ctr" defTabSz="914400" rtl="0" eaLnBrk="1" fontAlgn="auto" latinLnBrk="0" hangingPunct="1">
+                        <a:lnSpc>
+                          <a:spcPct val="100000"/>
+                        </a:lnSpc>
+                        <a:spcBef>
+                          <a:spcPts val="0"/>
+                        </a:spcBef>
+                        <a:spcAft>
+                          <a:spcPts val="0"/>
+                        </a:spcAft>
+                        <a:buClrTx/>
+                        <a:buSzTx/>
+                        <a:buFontTx/>
+                        <a:buNone/>
+                        <a:tabLst/>
+                        <a:defRPr/>
+                      </a:pPr>
+                      <a:r>
+                        <a:rPr lang="en-US" altLang="zh-CN" dirty="0" smtClean="0"/>
+                        <a:t>Extracting and Retargeting Color Mappings</a:t>
+                      </a:r>
+                      <a:r>
+                        <a:rPr lang="en-US" altLang="zh-CN" baseline="0" dirty="0" smtClean="0"/>
+                        <a:t> from Bitmap Images of Visualizations</a:t>
+                      </a:r>
+                      <a:endParaRPr lang="zh-CN" altLang="en-US" dirty="0" smtClean="0"/>
+                    </a:p>
+                  </a:txBody>
+                  <a:tcPr/>
+                </a:tc>
+                <a:tc>
+                  <a:txBody>
+                    <a:bodyPr/>
+                    <a:lstStyle/>
+                    <a:p>
+                      <a:pPr algn="ctr"/>
+                      <a:r>
+                        <a:rPr lang="en-US" altLang="zh-CN" dirty="0" smtClean="0"/>
+                        <a:t>17/10/22</a:t>
+                      </a:r>
+                      <a:endParaRPr lang="zh-CN" altLang="en-US" dirty="0"/>
+                    </a:p>
+                  </a:txBody>
+                  <a:tcPr/>
+                </a:tc>
+                <a:tc>
+                  <a:txBody>
+                    <a:bodyPr/>
+                    <a:lstStyle/>
+                    <a:p>
+                      <a:pPr algn="ctr"/>
+                      <a:r>
+                        <a:rPr lang="en-US" altLang="zh-CN" dirty="0" smtClean="0"/>
+                        <a:t>17/10/23</a:t>
+                      </a:r>
+                      <a:endParaRPr lang="zh-CN" altLang="en-US" dirty="0"/>
+                    </a:p>
+                  </a:txBody>
+                  <a:tcPr/>
+                </a:tc>
+                <a:tc>
+                  <a:txBody>
+                    <a:bodyPr/>
+                    <a:lstStyle/>
+                    <a:p>
+                      <a:pPr algn="ctr"/>
+                      <a:r>
+                        <a:rPr lang="zh-CN" altLang="en-US" dirty="0" smtClean="0"/>
+                        <a:t>完成</a:t>
+                      </a:r>
+                      <a:endParaRPr lang="zh-CN" altLang="en-US" dirty="0"/>
+                    </a:p>
+                  </a:txBody>
+                  <a:tcPr/>
+                </a:tc>
+                <a:extLst>
+                  <a:ext uri="{0D108BD9-81ED-4DB2-BD59-A6C34878D82A}">
+                    <a16:rowId xmlns:a16="http://schemas.microsoft.com/office/drawing/2014/main" val="3269748651"/>
+                  </a:ext>
+                </a:extLst>
+              </a:tr>
+              <a:tr h="370840">
+                <a:tc>
+                  <a:txBody>
+                    <a:bodyPr/>
+                    <a:lstStyle/>
+                    <a:p>
+                      <a:pPr algn="ctr"/>
+                      <a:r>
+                        <a:rPr lang="en-US" altLang="zh-CN" dirty="0" err="1" smtClean="0"/>
+                        <a:t>BOOSTVis</a:t>
+                      </a:r>
+                      <a:endParaRPr lang="zh-CN" altLang="en-US" dirty="0"/>
+                    </a:p>
+                  </a:txBody>
+                  <a:tcPr/>
+                </a:tc>
+                <a:tc>
+                  <a:txBody>
+                    <a:bodyPr/>
+                    <a:lstStyle/>
+                    <a:p>
+                      <a:pPr algn="ctr"/>
+                      <a:r>
+                        <a:rPr lang="zh-CN" altLang="en-US" dirty="0" smtClean="0"/>
+                        <a:t>特征视图</a:t>
+                      </a:r>
+                      <a:endParaRPr lang="zh-CN" altLang="en-US" dirty="0"/>
+                    </a:p>
+                  </a:txBody>
+                  <a:tcPr/>
+                </a:tc>
+                <a:tc>
+                  <a:txBody>
+                    <a:bodyPr/>
+                    <a:lstStyle/>
+                    <a:p>
+                      <a:pPr algn="ctr"/>
+                      <a:r>
+                        <a:rPr lang="zh-CN" altLang="en-US" dirty="0" smtClean="0"/>
+                        <a:t>横向缩放机制更改</a:t>
+                      </a:r>
+                      <a:endParaRPr lang="zh-CN" altLang="en-US" dirty="0"/>
+                    </a:p>
+                  </a:txBody>
+                  <a:tcPr/>
+                </a:tc>
+                <a:tc>
+                  <a:txBody>
+                    <a:bodyPr/>
+                    <a:lstStyle/>
+                    <a:p>
+                      <a:pPr algn="ctr"/>
+                      <a:r>
+                        <a:rPr lang="en-US" altLang="zh-CN" dirty="0" smtClean="0"/>
+                        <a:t>17/10/23</a:t>
+                      </a:r>
+                      <a:endParaRPr lang="zh-CN" altLang="en-US" dirty="0"/>
+                    </a:p>
+                  </a:txBody>
+                  <a:tcPr/>
+                </a:tc>
+                <a:tc>
+                  <a:txBody>
+                    <a:bodyPr/>
+                    <a:lstStyle/>
+                    <a:p>
+                      <a:pPr algn="ctr"/>
+                      <a:r>
+                        <a:rPr lang="en-US" altLang="zh-CN" dirty="0" smtClean="0"/>
+                        <a:t>17/10/23</a:t>
+                      </a:r>
+                      <a:endParaRPr lang="zh-CN" altLang="en-US" dirty="0"/>
+                    </a:p>
+                  </a:txBody>
+                  <a:tcPr/>
+                </a:tc>
+                <a:tc>
+                  <a:txBody>
+                    <a:bodyPr/>
+                    <a:lstStyle/>
+                    <a:p>
+                      <a:pPr algn="ctr"/>
+                      <a:r>
+                        <a:rPr lang="zh-CN" altLang="en-US" dirty="0" smtClean="0"/>
+                        <a:t>完成</a:t>
+                      </a:r>
+                      <a:endParaRPr lang="zh-CN" altLang="en-US" dirty="0"/>
+                    </a:p>
+                  </a:txBody>
+                  <a:tcPr/>
+                </a:tc>
+                <a:extLst>
+                  <a:ext uri="{0D108BD9-81ED-4DB2-BD59-A6C34878D82A}">
+                    <a16:rowId xmlns:a16="http://schemas.microsoft.com/office/drawing/2014/main" val="3427139893"/>
+                  </a:ext>
+                </a:extLst>
+              </a:tr>
+              <a:tr h="370840">
+                <a:tc>
+                  <a:txBody>
+                    <a:bodyPr/>
+                    <a:lstStyle/>
+                    <a:p>
+                      <a:pPr algn="ctr"/>
+                      <a:r>
+                        <a:rPr lang="en-US" altLang="zh-CN" dirty="0" smtClean="0"/>
+                        <a:t>Term project</a:t>
+                      </a:r>
+                      <a:endParaRPr lang="zh-CN" altLang="en-US" dirty="0"/>
+                    </a:p>
+                  </a:txBody>
+                  <a:tcPr/>
+                </a:tc>
+                <a:tc>
+                  <a:txBody>
+                    <a:bodyPr/>
+                    <a:lstStyle/>
+                    <a:p>
+                      <a:pPr algn="ctr"/>
+                      <a:r>
+                        <a:rPr lang="zh-CN" altLang="en-US" dirty="0" smtClean="0"/>
+                        <a:t>会议记录</a:t>
+                      </a:r>
+                      <a:endParaRPr lang="zh-CN" altLang="en-US" dirty="0"/>
+                    </a:p>
+                  </a:txBody>
+                  <a:tcPr/>
+                </a:tc>
+                <a:tc>
+                  <a:txBody>
+                    <a:bodyPr/>
+                    <a:lstStyle/>
+                    <a:p>
+                      <a:pPr algn="ctr"/>
+                      <a:r>
+                        <a:rPr lang="en-US" altLang="zh-CN" dirty="0" smtClean="0"/>
+                        <a:t>GUI</a:t>
+                      </a:r>
+                      <a:r>
+                        <a:rPr lang="zh-CN" altLang="en-US" dirty="0" smtClean="0"/>
+                        <a:t>实现</a:t>
+                      </a:r>
+                      <a:r>
+                        <a:rPr lang="en-US" altLang="zh-CN" dirty="0" smtClean="0"/>
+                        <a:t>&amp;</a:t>
+                      </a:r>
+                      <a:r>
+                        <a:rPr lang="zh-CN" altLang="en-US" dirty="0" smtClean="0"/>
+                        <a:t>初步语音分段</a:t>
+                      </a:r>
+                      <a:endParaRPr lang="zh-CN" altLang="en-US" dirty="0"/>
+                    </a:p>
+                  </a:txBody>
+                  <a:tcPr/>
+                </a:tc>
+                <a:tc>
+                  <a:txBody>
+                    <a:bodyPr/>
+                    <a:lstStyle/>
+                    <a:p>
+                      <a:pPr algn="ctr"/>
+                      <a:r>
+                        <a:rPr lang="en-US" altLang="zh-CN" dirty="0" smtClean="0"/>
+                        <a:t>17/10/23</a:t>
+                      </a:r>
+                      <a:endParaRPr lang="zh-CN" altLang="en-US" dirty="0"/>
+                    </a:p>
+                  </a:txBody>
+                  <a:tcPr/>
+                </a:tc>
+                <a:tc>
+                  <a:txBody>
+                    <a:bodyPr/>
+                    <a:lstStyle/>
+                    <a:p>
+                      <a:pPr algn="ctr"/>
+                      <a:r>
+                        <a:rPr lang="en-US" altLang="zh-CN" dirty="0" smtClean="0"/>
+                        <a:t>17/10/24</a:t>
+                      </a:r>
+                      <a:endParaRPr lang="zh-CN" altLang="en-US" dirty="0"/>
+                    </a:p>
+                  </a:txBody>
+                  <a:tcPr/>
+                </a:tc>
+                <a:tc>
+                  <a:txBody>
+                    <a:bodyPr/>
+                    <a:lstStyle/>
+                    <a:p>
+                      <a:pPr algn="ctr"/>
+                      <a:r>
+                        <a:rPr lang="zh-CN" altLang="en-US" dirty="0" smtClean="0"/>
+                        <a:t>完成</a:t>
+                      </a:r>
+                      <a:endParaRPr lang="zh-CN" altLang="en-US" dirty="0"/>
+                    </a:p>
+                  </a:txBody>
+                  <a:tcPr/>
+                </a:tc>
+                <a:extLst>
+                  <a:ext uri="{0D108BD9-81ED-4DB2-BD59-A6C34878D82A}">
+                    <a16:rowId xmlns:a16="http://schemas.microsoft.com/office/drawing/2014/main" val="2198004790"/>
+                  </a:ext>
+                </a:extLst>
+              </a:tr>
+              <a:tr h="370840">
+                <a:tc>
+                  <a:txBody>
+                    <a:bodyPr/>
+                    <a:lstStyle/>
+                    <a:p>
+                      <a:pPr algn="ctr"/>
+                      <a:r>
+                        <a:rPr lang="en-US" altLang="zh-CN" dirty="0" err="1" smtClean="0"/>
+                        <a:t>Flok</a:t>
+                      </a:r>
+                      <a:endParaRPr lang="zh-CN" altLang="en-US" dirty="0"/>
+                    </a:p>
+                  </a:txBody>
+                  <a:tcPr/>
+                </a:tc>
+                <a:tc>
+                  <a:txBody>
+                    <a:bodyPr/>
+                    <a:lstStyle/>
+                    <a:p>
+                      <a:pPr algn="ctr"/>
+                      <a:r>
+                        <a:rPr lang="en-US" altLang="zh-CN" dirty="0" err="1" smtClean="0"/>
+                        <a:t>XGBoost</a:t>
+                      </a:r>
+                      <a:r>
+                        <a:rPr lang="zh-CN" altLang="en-US" dirty="0" smtClean="0"/>
+                        <a:t>算子</a:t>
+                      </a:r>
+                      <a:endParaRPr lang="zh-CN" altLang="en-US" dirty="0"/>
+                    </a:p>
+                  </a:txBody>
+                  <a:tcPr/>
+                </a:tc>
+                <a:tc>
+                  <a:txBody>
+                    <a:bodyPr/>
+                    <a:lstStyle/>
+                    <a:p>
+                      <a:pPr algn="ctr"/>
+                      <a:r>
+                        <a:rPr lang="zh-CN" altLang="en-US" dirty="0" smtClean="0"/>
+                        <a:t>初步集成</a:t>
+                      </a:r>
+                      <a:r>
+                        <a:rPr lang="en-US" altLang="zh-CN" dirty="0" smtClean="0"/>
+                        <a:t>Vis</a:t>
+                      </a:r>
+                      <a:r>
+                        <a:rPr lang="zh-CN" altLang="en-US" dirty="0" smtClean="0"/>
+                        <a:t>模块</a:t>
+                      </a:r>
+                      <a:endParaRPr lang="zh-CN" altLang="en-US" dirty="0"/>
+                    </a:p>
+                  </a:txBody>
+                  <a:tcPr/>
+                </a:tc>
+                <a:tc>
+                  <a:txBody>
+                    <a:bodyPr/>
+                    <a:lstStyle/>
+                    <a:p>
+                      <a:pPr algn="ctr"/>
+                      <a:r>
+                        <a:rPr lang="en-US" altLang="zh-CN" dirty="0" smtClean="0"/>
+                        <a:t>17/10/25</a:t>
+                      </a:r>
+                      <a:endParaRPr lang="zh-CN" altLang="en-US" dirty="0"/>
+                    </a:p>
+                  </a:txBody>
+                  <a:tcPr/>
+                </a:tc>
+                <a:tc>
+                  <a:txBody>
+                    <a:bodyPr/>
+                    <a:lstStyle/>
+                    <a:p>
+                      <a:pPr algn="ctr"/>
+                      <a:r>
+                        <a:rPr lang="en-US" altLang="zh-CN" dirty="0" smtClean="0"/>
+                        <a:t>17/10/26</a:t>
+                      </a:r>
+                      <a:endParaRPr lang="zh-CN" altLang="en-US" dirty="0"/>
+                    </a:p>
+                  </a:txBody>
+                  <a:tcPr/>
+                </a:tc>
+                <a:tc>
+                  <a:txBody>
+                    <a:bodyPr/>
+                    <a:lstStyle/>
+                    <a:p>
+                      <a:pPr algn="ctr"/>
+                      <a:r>
+                        <a:rPr lang="zh-CN" altLang="en-US" dirty="0" smtClean="0"/>
+                        <a:t>完成（前端页面融合未完成）</a:t>
+                      </a:r>
+                      <a:endParaRPr lang="zh-CN" altLang="en-US" dirty="0"/>
+                    </a:p>
+                  </a:txBody>
+                  <a:tcPr/>
+                </a:tc>
+                <a:extLst>
+                  <a:ext uri="{0D108BD9-81ED-4DB2-BD59-A6C34878D82A}">
+                    <a16:rowId xmlns:a16="http://schemas.microsoft.com/office/drawing/2014/main" val="1492804893"/>
+                  </a:ext>
+                </a:extLst>
+              </a:tr>
+              <a:tr h="370840">
+                <a:tc>
+                  <a:txBody>
+                    <a:bodyPr/>
+                    <a:lstStyle/>
+                    <a:p>
+                      <a:pPr algn="ctr"/>
+                      <a:r>
+                        <a:rPr lang="zh-CN" altLang="en-US" dirty="0" smtClean="0"/>
+                        <a:t>课程作业</a:t>
+                      </a:r>
+                      <a:endParaRPr lang="zh-CN" altLang="en-US" dirty="0"/>
+                    </a:p>
+                  </a:txBody>
+                  <a:tcPr/>
+                </a:tc>
+                <a:tc>
+                  <a:txBody>
+                    <a:bodyPr/>
+                    <a:lstStyle/>
+                    <a:p>
+                      <a:pPr algn="ctr"/>
+                      <a:r>
+                        <a:rPr lang="en-US" altLang="zh-CN" dirty="0" smtClean="0"/>
+                        <a:t>Paper Reading</a:t>
+                      </a:r>
+                      <a:endParaRPr lang="zh-CN" altLang="en-US" dirty="0"/>
+                    </a:p>
+                  </a:txBody>
+                  <a:tcPr/>
+                </a:tc>
+                <a:tc>
+                  <a:txBody>
+                    <a:bodyPr/>
+                    <a:lstStyle/>
+                    <a:p>
+                      <a:pPr algn="ctr"/>
+                      <a:r>
+                        <a:rPr lang="en-US" altLang="zh-CN" dirty="0" smtClean="0"/>
+                        <a:t>Analysis and Classification of Phonation Modes in Singing</a:t>
+                      </a:r>
+                      <a:endParaRPr lang="zh-CN" altLang="en-US" dirty="0"/>
+                    </a:p>
+                  </a:txBody>
+                  <a:tcPr/>
+                </a:tc>
+                <a:tc>
+                  <a:txBody>
+                    <a:bodyPr/>
+                    <a:lstStyle/>
+                    <a:p>
+                      <a:pPr algn="ctr"/>
+                      <a:r>
+                        <a:rPr lang="en-US" altLang="zh-CN" dirty="0" smtClean="0"/>
+                        <a:t>17/10/26</a:t>
+                      </a:r>
+                      <a:endParaRPr lang="zh-CN" altLang="en-US" dirty="0"/>
+                    </a:p>
+                  </a:txBody>
+                  <a:tcPr/>
+                </a:tc>
+                <a:tc>
+                  <a:txBody>
+                    <a:bodyPr/>
+                    <a:lstStyle/>
+                    <a:p>
+                      <a:pPr algn="ctr"/>
+                      <a:endParaRPr lang="zh-CN" altLang="en-US" dirty="0"/>
+                    </a:p>
+                  </a:txBody>
+                  <a:tcPr/>
+                </a:tc>
+                <a:tc>
+                  <a:txBody>
+                    <a:bodyPr/>
+                    <a:lstStyle/>
+                    <a:p>
+                      <a:pPr algn="ctr"/>
+                      <a:endParaRPr lang="zh-CN" altLang="en-US" dirty="0"/>
+                    </a:p>
+                  </a:txBody>
+                  <a:tcPr/>
+                </a:tc>
+                <a:extLst>
+                  <a:ext uri="{0D108BD9-81ED-4DB2-BD59-A6C34878D82A}">
+                    <a16:rowId xmlns:a16="http://schemas.microsoft.com/office/drawing/2014/main" val="2188292132"/>
+                  </a:ext>
+                </a:extLst>
+              </a:tr>
+            </a:tbl>
+          </a:graphicData>
+        </a:graphic>
+      </p:graphicFrame>
+    </p:spTree>
+    <p:extLst>
+      <p:ext uri="{BB962C8B-B14F-4D97-AF65-F5344CB8AC3E}">
+        <p14:creationId xmlns:p14="http://schemas.microsoft.com/office/powerpoint/2010/main" val="2013443331"/>
       </p:ext>
     </p:extLst>
   </p:cSld>

--- a/TimeLine.pptx
+++ b/TimeLine.pptx
@@ -8,6 +8,7 @@
     <p:sldId id="256" r:id="rId2"/>
     <p:sldId id="257" r:id="rId3"/>
     <p:sldId id="258" r:id="rId4"/>
+    <p:sldId id="259" r:id="rId5"/>
   </p:sldIdLst>
   <p:sldSz cx="12192000" cy="6858000"/>
   <p:notesSz cx="6858000" cy="9144000"/>
@@ -245,7 +246,7 @@
           <a:p>
             <a:fld id="{A79CB645-6BB8-4C4C-88A4-85273DB34239}" type="datetimeFigureOut">
               <a:rPr lang="zh-CN" altLang="en-US" smtClean="0"/>
-              <a:t>2017/10/27</a:t>
+              <a:t>2017/11/3</a:t>
             </a:fld>
             <a:endParaRPr lang="zh-CN" altLang="en-US"/>
           </a:p>
@@ -415,7 +416,7 @@
           <a:p>
             <a:fld id="{A79CB645-6BB8-4C4C-88A4-85273DB34239}" type="datetimeFigureOut">
               <a:rPr lang="zh-CN" altLang="en-US" smtClean="0"/>
-              <a:t>2017/10/27</a:t>
+              <a:t>2017/11/3</a:t>
             </a:fld>
             <a:endParaRPr lang="zh-CN" altLang="en-US"/>
           </a:p>
@@ -595,7 +596,7 @@
           <a:p>
             <a:fld id="{A79CB645-6BB8-4C4C-88A4-85273DB34239}" type="datetimeFigureOut">
               <a:rPr lang="zh-CN" altLang="en-US" smtClean="0"/>
-              <a:t>2017/10/27</a:t>
+              <a:t>2017/11/3</a:t>
             </a:fld>
             <a:endParaRPr lang="zh-CN" altLang="en-US"/>
           </a:p>
@@ -765,7 +766,7 @@
           <a:p>
             <a:fld id="{A79CB645-6BB8-4C4C-88A4-85273DB34239}" type="datetimeFigureOut">
               <a:rPr lang="zh-CN" altLang="en-US" smtClean="0"/>
-              <a:t>2017/10/27</a:t>
+              <a:t>2017/11/3</a:t>
             </a:fld>
             <a:endParaRPr lang="zh-CN" altLang="en-US"/>
           </a:p>
@@ -1011,7 +1012,7 @@
           <a:p>
             <a:fld id="{A79CB645-6BB8-4C4C-88A4-85273DB34239}" type="datetimeFigureOut">
               <a:rPr lang="zh-CN" altLang="en-US" smtClean="0"/>
-              <a:t>2017/10/27</a:t>
+              <a:t>2017/11/3</a:t>
             </a:fld>
             <a:endParaRPr lang="zh-CN" altLang="en-US"/>
           </a:p>
@@ -1243,7 +1244,7 @@
           <a:p>
             <a:fld id="{A79CB645-6BB8-4C4C-88A4-85273DB34239}" type="datetimeFigureOut">
               <a:rPr lang="zh-CN" altLang="en-US" smtClean="0"/>
-              <a:t>2017/10/27</a:t>
+              <a:t>2017/11/3</a:t>
             </a:fld>
             <a:endParaRPr lang="zh-CN" altLang="en-US"/>
           </a:p>
@@ -1610,7 +1611,7 @@
           <a:p>
             <a:fld id="{A79CB645-6BB8-4C4C-88A4-85273DB34239}" type="datetimeFigureOut">
               <a:rPr lang="zh-CN" altLang="en-US" smtClean="0"/>
-              <a:t>2017/10/27</a:t>
+              <a:t>2017/11/3</a:t>
             </a:fld>
             <a:endParaRPr lang="zh-CN" altLang="en-US"/>
           </a:p>
@@ -1728,7 +1729,7 @@
           <a:p>
             <a:fld id="{A79CB645-6BB8-4C4C-88A4-85273DB34239}" type="datetimeFigureOut">
               <a:rPr lang="zh-CN" altLang="en-US" smtClean="0"/>
-              <a:t>2017/10/27</a:t>
+              <a:t>2017/11/3</a:t>
             </a:fld>
             <a:endParaRPr lang="zh-CN" altLang="en-US"/>
           </a:p>
@@ -1823,7 +1824,7 @@
           <a:p>
             <a:fld id="{A79CB645-6BB8-4C4C-88A4-85273DB34239}" type="datetimeFigureOut">
               <a:rPr lang="zh-CN" altLang="en-US" smtClean="0"/>
-              <a:t>2017/10/27</a:t>
+              <a:t>2017/11/3</a:t>
             </a:fld>
             <a:endParaRPr lang="zh-CN" altLang="en-US"/>
           </a:p>
@@ -2100,7 +2101,7 @@
           <a:p>
             <a:fld id="{A79CB645-6BB8-4C4C-88A4-85273DB34239}" type="datetimeFigureOut">
               <a:rPr lang="zh-CN" altLang="en-US" smtClean="0"/>
-              <a:t>2017/10/27</a:t>
+              <a:t>2017/11/3</a:t>
             </a:fld>
             <a:endParaRPr lang="zh-CN" altLang="en-US"/>
           </a:p>
@@ -2353,7 +2354,7 @@
           <a:p>
             <a:fld id="{A79CB645-6BB8-4C4C-88A4-85273DB34239}" type="datetimeFigureOut">
               <a:rPr lang="zh-CN" altLang="en-US" smtClean="0"/>
-              <a:t>2017/10/27</a:t>
+              <a:t>2017/11/3</a:t>
             </a:fld>
             <a:endParaRPr lang="zh-CN" altLang="en-US"/>
           </a:p>
@@ -2566,7 +2567,7 @@
           <a:p>
             <a:fld id="{A79CB645-6BB8-4C4C-88A4-85273DB34239}" type="datetimeFigureOut">
               <a:rPr lang="zh-CN" altLang="en-US" smtClean="0"/>
-              <a:t>2017/10/27</a:t>
+              <a:t>2017/11/3</a:t>
             </a:fld>
             <a:endParaRPr lang="zh-CN" altLang="en-US"/>
           </a:p>
@@ -4178,7 +4179,7 @@
             <p:ph idx="1"/>
             <p:extLst>
               <p:ext uri="{D42A27DB-BD31-4B8C-83A1-F6EECF244321}">
-                <p14:modId xmlns:p14="http://schemas.microsoft.com/office/powerpoint/2010/main" val="292015225"/>
+                <p14:modId xmlns:p14="http://schemas.microsoft.com/office/powerpoint/2010/main" val="1840478357"/>
               </p:ext>
             </p:extLst>
           </p:nvPr>
@@ -4833,17 +4834,41 @@
                     <a:lstStyle/>
                     <a:p>
                       <a:pPr algn="ctr"/>
-                      <a:endParaRPr lang="zh-CN" altLang="en-US" dirty="0"/>
-                    </a:p>
-                  </a:txBody>
-                  <a:tcPr/>
-                </a:tc>
-                <a:tc>
-                  <a:txBody>
-                    <a:bodyPr/>
-                    <a:lstStyle/>
-                    <a:p>
-                      <a:pPr algn="ctr"/>
+                      <a:r>
+                        <a:rPr lang="en-US" altLang="zh-CN" dirty="0" smtClean="0"/>
+                        <a:t>17/10/27</a:t>
+                      </a:r>
+                      <a:endParaRPr lang="zh-CN" altLang="en-US" dirty="0"/>
+                    </a:p>
+                  </a:txBody>
+                  <a:tcPr/>
+                </a:tc>
+                <a:tc>
+                  <a:txBody>
+                    <a:bodyPr/>
+                    <a:lstStyle/>
+                    <a:p>
+                      <a:pPr algn="ctr"/>
+                      <a:r>
+                        <a:rPr lang="zh-CN" altLang="en-US" dirty="0" smtClean="0"/>
+                        <a:t>搁置（</a:t>
+                      </a:r>
+                      <a:r>
+                        <a:rPr lang="en-US" altLang="zh-CN" dirty="0" err="1" smtClean="0"/>
+                        <a:t>Flok</a:t>
+                      </a:r>
+                      <a:r>
+                        <a:rPr lang="zh-CN" altLang="en-US" dirty="0" smtClean="0"/>
+                        <a:t>集成出现</a:t>
+                      </a:r>
+                      <a:r>
+                        <a:rPr lang="en-US" altLang="zh-CN" dirty="0" smtClean="0"/>
+                        <a:t>bug</a:t>
+                      </a:r>
+                      <a:r>
+                        <a:rPr lang="zh-CN" altLang="en-US" dirty="0" smtClean="0"/>
+                        <a:t>）</a:t>
+                      </a:r>
                       <a:endParaRPr lang="zh-CN" altLang="en-US" dirty="0"/>
                     </a:p>
                   </a:txBody>
@@ -4863,6 +4888,812 @@
     <p:extLst>
       <p:ext uri="{BB962C8B-B14F-4D97-AF65-F5344CB8AC3E}">
         <p14:creationId xmlns:p14="http://schemas.microsoft.com/office/powerpoint/2010/main" val="2013443331"/>
+      </p:ext>
+    </p:extLst>
+  </p:cSld>
+  <p:clrMapOvr>
+    <a:masterClrMapping/>
+  </p:clrMapOvr>
+</p:sld>
+</file>
+
+<file path=ppt/slides/slide4.xml><?xml version="1.0" encoding="utf-8"?>
+<p:sld xmlns:a="http://schemas.openxmlformats.org/drawingml/2006/main" xmlns:r="http://schemas.openxmlformats.org/officeDocument/2006/relationships" xmlns:p="http://schemas.openxmlformats.org/presentationml/2006/main">
+  <p:cSld>
+    <p:spTree>
+      <p:nvGrpSpPr>
+        <p:cNvPr id="1" name=""/>
+        <p:cNvGrpSpPr/>
+        <p:nvPr/>
+      </p:nvGrpSpPr>
+      <p:grpSpPr>
+        <a:xfrm>
+          <a:off x="0" y="0"/>
+          <a:ext cx="0" cy="0"/>
+          <a:chOff x="0" y="0"/>
+          <a:chExt cx="0" cy="0"/>
+        </a:xfrm>
+      </p:grpSpPr>
+      <p:graphicFrame>
+        <p:nvGraphicFramePr>
+          <p:cNvPr id="4" name="内容占位符 3"/>
+          <p:cNvGraphicFramePr>
+            <a:graphicFrameLocks noGrp="1"/>
+          </p:cNvGraphicFramePr>
+          <p:nvPr>
+            <p:ph idx="1"/>
+            <p:extLst>
+              <p:ext uri="{D42A27DB-BD31-4B8C-83A1-F6EECF244321}">
+                <p14:modId xmlns:p14="http://schemas.microsoft.com/office/powerpoint/2010/main" val="825327871"/>
+              </p:ext>
+            </p:extLst>
+          </p:nvPr>
+        </p:nvGraphicFramePr>
+        <p:xfrm>
+          <a:off x="176049" y="322645"/>
+          <a:ext cx="11879317" cy="3139440"/>
+        </p:xfrm>
+        <a:graphic>
+          <a:graphicData uri="http://schemas.openxmlformats.org/drawingml/2006/table">
+            <a:tbl>
+              <a:tblPr firstRow="1" bandRow="1">
+                <a:tableStyleId>{5C22544A-7EE6-4342-B048-85BDC9FD1C3A}</a:tableStyleId>
+              </a:tblPr>
+              <a:tblGrid>
+                <a:gridCol w="1684282">
+                  <a:extLst>
+                    <a:ext uri="{9D8B030D-6E8A-4147-A177-3AD203B41FA5}">
+                      <a16:colId xmlns:a16="http://schemas.microsoft.com/office/drawing/2014/main" val="2473965488"/>
+                    </a:ext>
+                  </a:extLst>
+                </a:gridCol>
+                <a:gridCol w="1723527">
+                  <a:extLst>
+                    <a:ext uri="{9D8B030D-6E8A-4147-A177-3AD203B41FA5}">
+                      <a16:colId xmlns:a16="http://schemas.microsoft.com/office/drawing/2014/main" val="781188978"/>
+                    </a:ext>
+                  </a:extLst>
+                </a:gridCol>
+                <a:gridCol w="2949677">
+                  <a:extLst>
+                    <a:ext uri="{9D8B030D-6E8A-4147-A177-3AD203B41FA5}">
+                      <a16:colId xmlns:a16="http://schemas.microsoft.com/office/drawing/2014/main" val="528891021"/>
+                    </a:ext>
+                  </a:extLst>
+                </a:gridCol>
+                <a:gridCol w="1216742">
+                  <a:extLst>
+                    <a:ext uri="{9D8B030D-6E8A-4147-A177-3AD203B41FA5}">
+                      <a16:colId xmlns:a16="http://schemas.microsoft.com/office/drawing/2014/main" val="2015375458"/>
+                    </a:ext>
+                  </a:extLst>
+                </a:gridCol>
+                <a:gridCol w="1268362">
+                  <a:extLst>
+                    <a:ext uri="{9D8B030D-6E8A-4147-A177-3AD203B41FA5}">
+                      <a16:colId xmlns:a16="http://schemas.microsoft.com/office/drawing/2014/main" val="3952849910"/>
+                    </a:ext>
+                  </a:extLst>
+                </a:gridCol>
+                <a:gridCol w="3036727">
+                  <a:extLst>
+                    <a:ext uri="{9D8B030D-6E8A-4147-A177-3AD203B41FA5}">
+                      <a16:colId xmlns:a16="http://schemas.microsoft.com/office/drawing/2014/main" val="3052748629"/>
+                    </a:ext>
+                  </a:extLst>
+                </a:gridCol>
+              </a:tblGrid>
+              <a:tr h="370840">
+                <a:tc>
+                  <a:txBody>
+                    <a:bodyPr/>
+                    <a:lstStyle/>
+                    <a:p>
+                      <a:pPr algn="ctr"/>
+                      <a:r>
+                        <a:rPr lang="zh-CN" altLang="en-US" dirty="0" smtClean="0"/>
+                        <a:t>项目</a:t>
+                      </a:r>
+                      <a:endParaRPr lang="zh-CN" altLang="en-US" dirty="0"/>
+                    </a:p>
+                  </a:txBody>
+                  <a:tcPr/>
+                </a:tc>
+                <a:tc>
+                  <a:txBody>
+                    <a:bodyPr/>
+                    <a:lstStyle/>
+                    <a:p>
+                      <a:pPr algn="ctr"/>
+                      <a:r>
+                        <a:rPr lang="zh-CN" altLang="en-US" dirty="0" smtClean="0"/>
+                        <a:t>模块</a:t>
+                      </a:r>
+                      <a:endParaRPr lang="zh-CN" altLang="en-US" dirty="0"/>
+                    </a:p>
+                  </a:txBody>
+                  <a:tcPr/>
+                </a:tc>
+                <a:tc>
+                  <a:txBody>
+                    <a:bodyPr/>
+                    <a:lstStyle/>
+                    <a:p>
+                      <a:pPr algn="ctr"/>
+                      <a:r>
+                        <a:rPr lang="zh-CN" altLang="en-US" dirty="0" smtClean="0"/>
+                        <a:t>具体任务</a:t>
+                      </a:r>
+                      <a:endParaRPr lang="zh-CN" altLang="en-US" dirty="0"/>
+                    </a:p>
+                  </a:txBody>
+                  <a:tcPr/>
+                </a:tc>
+                <a:tc>
+                  <a:txBody>
+                    <a:bodyPr/>
+                    <a:lstStyle/>
+                    <a:p>
+                      <a:pPr algn="ctr"/>
+                      <a:r>
+                        <a:rPr lang="zh-CN" altLang="en-US" dirty="0" smtClean="0"/>
+                        <a:t>开始时间</a:t>
+                      </a:r>
+                      <a:endParaRPr lang="zh-CN" altLang="en-US" dirty="0"/>
+                    </a:p>
+                  </a:txBody>
+                  <a:tcPr/>
+                </a:tc>
+                <a:tc>
+                  <a:txBody>
+                    <a:bodyPr/>
+                    <a:lstStyle/>
+                    <a:p>
+                      <a:pPr algn="ctr"/>
+                      <a:r>
+                        <a:rPr lang="zh-CN" altLang="en-US" dirty="0" smtClean="0"/>
+                        <a:t>结束时间</a:t>
+                      </a:r>
+                      <a:endParaRPr lang="zh-CN" altLang="en-US" dirty="0"/>
+                    </a:p>
+                  </a:txBody>
+                  <a:tcPr/>
+                </a:tc>
+                <a:tc>
+                  <a:txBody>
+                    <a:bodyPr/>
+                    <a:lstStyle/>
+                    <a:p>
+                      <a:pPr algn="ctr"/>
+                      <a:r>
+                        <a:rPr lang="zh-CN" altLang="en-US" dirty="0" smtClean="0"/>
+                        <a:t>结果</a:t>
+                      </a:r>
+                      <a:endParaRPr lang="zh-CN" altLang="en-US" dirty="0"/>
+                    </a:p>
+                  </a:txBody>
+                  <a:tcPr/>
+                </a:tc>
+                <a:extLst>
+                  <a:ext uri="{0D108BD9-81ED-4DB2-BD59-A6C34878D82A}">
+                    <a16:rowId xmlns:a16="http://schemas.microsoft.com/office/drawing/2014/main" val="1634456069"/>
+                  </a:ext>
+                </a:extLst>
+              </a:tr>
+              <a:tr h="370840">
+                <a:tc>
+                  <a:txBody>
+                    <a:bodyPr/>
+                    <a:lstStyle/>
+                    <a:p>
+                      <a:pPr algn="ctr"/>
+                      <a:r>
+                        <a:rPr lang="en-US" altLang="zh-CN" dirty="0" err="1" smtClean="0"/>
+                        <a:t>Flok</a:t>
+                      </a:r>
+                      <a:endParaRPr lang="zh-CN" altLang="en-US" dirty="0"/>
+                    </a:p>
+                  </a:txBody>
+                  <a:tcPr/>
+                </a:tc>
+                <a:tc>
+                  <a:txBody>
+                    <a:bodyPr/>
+                    <a:lstStyle/>
+                    <a:p>
+                      <a:pPr algn="ctr"/>
+                      <a:r>
+                        <a:rPr lang="en-US" altLang="zh-CN" dirty="0" err="1" smtClean="0"/>
+                        <a:t>XGBoost</a:t>
+                      </a:r>
+                      <a:endParaRPr lang="zh-CN" altLang="en-US" dirty="0"/>
+                    </a:p>
+                  </a:txBody>
+                  <a:tcPr/>
+                </a:tc>
+                <a:tc>
+                  <a:txBody>
+                    <a:bodyPr/>
+                    <a:lstStyle/>
+                    <a:p>
+                      <a:pPr marL="0" marR="0" indent="0" algn="ctr" defTabSz="914400" rtl="0" eaLnBrk="1" fontAlgn="auto" latinLnBrk="0" hangingPunct="1">
+                        <a:lnSpc>
+                          <a:spcPct val="100000"/>
+                        </a:lnSpc>
+                        <a:spcBef>
+                          <a:spcPts val="0"/>
+                        </a:spcBef>
+                        <a:spcAft>
+                          <a:spcPts val="0"/>
+                        </a:spcAft>
+                        <a:buClrTx/>
+                        <a:buSzTx/>
+                        <a:buFontTx/>
+                        <a:buNone/>
+                        <a:tabLst/>
+                        <a:defRPr/>
+                      </a:pPr>
+                      <a:r>
+                        <a:rPr lang="en-US" altLang="zh-CN" dirty="0" err="1" smtClean="0"/>
+                        <a:t>Flok</a:t>
+                      </a:r>
+                      <a:r>
+                        <a:rPr lang="zh-CN" altLang="en-US" dirty="0" smtClean="0"/>
+                        <a:t>项目数据集调用</a:t>
+                      </a:r>
+                      <a:r>
+                        <a:rPr lang="en-US" altLang="zh-CN" dirty="0" smtClean="0"/>
+                        <a:t>bug</a:t>
+                      </a:r>
+                      <a:endParaRPr lang="zh-CN" altLang="en-US" dirty="0" smtClean="0"/>
+                    </a:p>
+                  </a:txBody>
+                  <a:tcPr/>
+                </a:tc>
+                <a:tc>
+                  <a:txBody>
+                    <a:bodyPr/>
+                    <a:lstStyle/>
+                    <a:p>
+                      <a:pPr algn="ctr"/>
+                      <a:r>
+                        <a:rPr lang="en-US" altLang="zh-CN" dirty="0" smtClean="0"/>
+                        <a:t>17/10/27</a:t>
+                      </a:r>
+                      <a:endParaRPr lang="zh-CN" altLang="en-US" dirty="0"/>
+                    </a:p>
+                  </a:txBody>
+                  <a:tcPr/>
+                </a:tc>
+                <a:tc>
+                  <a:txBody>
+                    <a:bodyPr/>
+                    <a:lstStyle/>
+                    <a:p>
+                      <a:pPr algn="ctr"/>
+                      <a:r>
+                        <a:rPr lang="en-US" altLang="zh-CN" dirty="0" smtClean="0"/>
+                        <a:t>17/10/27</a:t>
+                      </a:r>
+                      <a:endParaRPr lang="zh-CN" altLang="en-US" dirty="0"/>
+                    </a:p>
+                  </a:txBody>
+                  <a:tcPr/>
+                </a:tc>
+                <a:tc>
+                  <a:txBody>
+                    <a:bodyPr/>
+                    <a:lstStyle/>
+                    <a:p>
+                      <a:pPr algn="ctr"/>
+                      <a:r>
+                        <a:rPr lang="zh-CN" altLang="en-US" dirty="0" smtClean="0"/>
+                        <a:t>完成</a:t>
+                      </a:r>
+                      <a:endParaRPr lang="zh-CN" altLang="en-US" dirty="0"/>
+                    </a:p>
+                  </a:txBody>
+                  <a:tcPr/>
+                </a:tc>
+                <a:extLst>
+                  <a:ext uri="{0D108BD9-81ED-4DB2-BD59-A6C34878D82A}">
+                    <a16:rowId xmlns:a16="http://schemas.microsoft.com/office/drawing/2014/main" val="3269748651"/>
+                  </a:ext>
+                </a:extLst>
+              </a:tr>
+              <a:tr h="370840">
+                <a:tc>
+                  <a:txBody>
+                    <a:bodyPr/>
+                    <a:lstStyle/>
+                    <a:p>
+                      <a:pPr algn="ctr"/>
+                      <a:r>
+                        <a:rPr lang="en-US" altLang="zh-CN" dirty="0" err="1" smtClean="0"/>
+                        <a:t>BOOSTVis</a:t>
+                      </a:r>
+                      <a:endParaRPr lang="zh-CN" altLang="en-US" dirty="0"/>
+                    </a:p>
+                  </a:txBody>
+                  <a:tcPr/>
+                </a:tc>
+                <a:tc>
+                  <a:txBody>
+                    <a:bodyPr/>
+                    <a:lstStyle/>
+                    <a:p>
+                      <a:pPr algn="ctr"/>
+                      <a:r>
+                        <a:rPr lang="zh-CN" altLang="en-US" dirty="0" smtClean="0"/>
+                        <a:t>分类器视图</a:t>
+                      </a:r>
+                      <a:endParaRPr lang="zh-CN" altLang="en-US" dirty="0"/>
+                    </a:p>
+                  </a:txBody>
+                  <a:tcPr/>
+                </a:tc>
+                <a:tc>
+                  <a:txBody>
+                    <a:bodyPr/>
+                    <a:lstStyle/>
+                    <a:p>
+                      <a:pPr algn="ctr"/>
+                      <a:r>
+                        <a:rPr lang="zh-CN" altLang="en-US" dirty="0" smtClean="0"/>
+                        <a:t>二分类时聚类的树总数错误</a:t>
+                      </a:r>
+                      <a:endParaRPr lang="zh-CN" altLang="en-US" dirty="0"/>
+                    </a:p>
+                  </a:txBody>
+                  <a:tcPr/>
+                </a:tc>
+                <a:tc>
+                  <a:txBody>
+                    <a:bodyPr/>
+                    <a:lstStyle/>
+                    <a:p>
+                      <a:pPr algn="ctr"/>
+                      <a:r>
+                        <a:rPr lang="en-US" altLang="zh-CN" dirty="0" smtClean="0"/>
+                        <a:t>17/10/29</a:t>
+                      </a:r>
+                      <a:endParaRPr lang="zh-CN" altLang="en-US" dirty="0"/>
+                    </a:p>
+                  </a:txBody>
+                  <a:tcPr/>
+                </a:tc>
+                <a:tc>
+                  <a:txBody>
+                    <a:bodyPr/>
+                    <a:lstStyle/>
+                    <a:p>
+                      <a:pPr algn="ctr"/>
+                      <a:r>
+                        <a:rPr lang="en-US" altLang="zh-CN" dirty="0" smtClean="0"/>
+                        <a:t>17/10/29</a:t>
+                      </a:r>
+                      <a:endParaRPr lang="zh-CN" altLang="en-US" dirty="0"/>
+                    </a:p>
+                  </a:txBody>
+                  <a:tcPr/>
+                </a:tc>
+                <a:tc>
+                  <a:txBody>
+                    <a:bodyPr/>
+                    <a:lstStyle/>
+                    <a:p>
+                      <a:pPr algn="ctr"/>
+                      <a:r>
+                        <a:rPr lang="zh-CN" altLang="en-US" dirty="0" smtClean="0"/>
+                        <a:t>完成</a:t>
+                      </a:r>
+                      <a:endParaRPr lang="zh-CN" altLang="en-US" dirty="0"/>
+                    </a:p>
+                  </a:txBody>
+                  <a:tcPr/>
+                </a:tc>
+                <a:extLst>
+                  <a:ext uri="{0D108BD9-81ED-4DB2-BD59-A6C34878D82A}">
+                    <a16:rowId xmlns:a16="http://schemas.microsoft.com/office/drawing/2014/main" val="3427139893"/>
+                  </a:ext>
+                </a:extLst>
+              </a:tr>
+              <a:tr h="370840">
+                <a:tc>
+                  <a:txBody>
+                    <a:bodyPr/>
+                    <a:lstStyle/>
+                    <a:p>
+                      <a:pPr algn="ctr"/>
+                      <a:r>
+                        <a:rPr lang="en-US" altLang="zh-CN" dirty="0" err="1" smtClean="0"/>
+                        <a:t>BOOSTVis</a:t>
+                      </a:r>
+                      <a:endParaRPr lang="zh-CN" altLang="en-US" dirty="0"/>
+                    </a:p>
+                  </a:txBody>
+                  <a:tcPr/>
+                </a:tc>
+                <a:tc>
+                  <a:txBody>
+                    <a:bodyPr/>
+                    <a:lstStyle/>
+                    <a:p>
+                      <a:pPr algn="ctr"/>
+                      <a:r>
+                        <a:rPr lang="zh-CN" altLang="en-US" dirty="0" smtClean="0"/>
+                        <a:t>类视图</a:t>
+                      </a:r>
+                      <a:endParaRPr lang="zh-CN" altLang="en-US" dirty="0"/>
+                    </a:p>
+                  </a:txBody>
+                  <a:tcPr/>
+                </a:tc>
+                <a:tc>
+                  <a:txBody>
+                    <a:bodyPr/>
+                    <a:lstStyle/>
+                    <a:p>
+                      <a:pPr algn="ctr"/>
+                      <a:r>
+                        <a:rPr lang="zh-CN" altLang="en-US" dirty="0" smtClean="0"/>
+                        <a:t>调节系数适应极端不均衡</a:t>
+                      </a:r>
+                      <a:endParaRPr lang="zh-CN" altLang="en-US" dirty="0"/>
+                    </a:p>
+                  </a:txBody>
+                  <a:tcPr/>
+                </a:tc>
+                <a:tc>
+                  <a:txBody>
+                    <a:bodyPr/>
+                    <a:lstStyle/>
+                    <a:p>
+                      <a:pPr algn="ctr"/>
+                      <a:r>
+                        <a:rPr lang="en-US" altLang="zh-CN" dirty="0" smtClean="0"/>
+                        <a:t>17/10/29</a:t>
+                      </a:r>
+                      <a:endParaRPr lang="zh-CN" altLang="en-US" dirty="0"/>
+                    </a:p>
+                  </a:txBody>
+                  <a:tcPr/>
+                </a:tc>
+                <a:tc>
+                  <a:txBody>
+                    <a:bodyPr/>
+                    <a:lstStyle/>
+                    <a:p>
+                      <a:pPr algn="ctr"/>
+                      <a:r>
+                        <a:rPr lang="en-US" altLang="zh-CN" dirty="0" smtClean="0"/>
+                        <a:t>17/10/29</a:t>
+                      </a:r>
+                      <a:endParaRPr lang="zh-CN" altLang="en-US" dirty="0"/>
+                    </a:p>
+                  </a:txBody>
+                  <a:tcPr/>
+                </a:tc>
+                <a:tc>
+                  <a:txBody>
+                    <a:bodyPr/>
+                    <a:lstStyle/>
+                    <a:p>
+                      <a:pPr algn="ctr"/>
+                      <a:r>
+                        <a:rPr lang="zh-CN" altLang="en-US" dirty="0" smtClean="0"/>
+                        <a:t>完成</a:t>
+                      </a:r>
+                      <a:endParaRPr lang="zh-CN" altLang="en-US" dirty="0"/>
+                    </a:p>
+                  </a:txBody>
+                  <a:tcPr/>
+                </a:tc>
+                <a:extLst>
+                  <a:ext uri="{0D108BD9-81ED-4DB2-BD59-A6C34878D82A}">
+                    <a16:rowId xmlns:a16="http://schemas.microsoft.com/office/drawing/2014/main" val="2198004790"/>
+                  </a:ext>
+                </a:extLst>
+              </a:tr>
+              <a:tr h="370840">
+                <a:tc>
+                  <a:txBody>
+                    <a:bodyPr/>
+                    <a:lstStyle/>
+                    <a:p>
+                      <a:pPr algn="ctr"/>
+                      <a:r>
+                        <a:rPr lang="zh-CN" altLang="en-US" dirty="0" smtClean="0"/>
+                        <a:t>课程作业</a:t>
+                      </a:r>
+                      <a:endParaRPr lang="zh-CN" altLang="en-US" dirty="0"/>
+                    </a:p>
+                  </a:txBody>
+                  <a:tcPr/>
+                </a:tc>
+                <a:tc>
+                  <a:txBody>
+                    <a:bodyPr/>
+                    <a:lstStyle/>
+                    <a:p>
+                      <a:pPr algn="ctr"/>
+                      <a:r>
+                        <a:rPr lang="en-US" altLang="zh-CN" dirty="0" smtClean="0"/>
+                        <a:t>Paper Reading</a:t>
+                      </a:r>
+                      <a:endParaRPr lang="zh-CN" altLang="en-US" dirty="0"/>
+                    </a:p>
+                  </a:txBody>
+                  <a:tcPr/>
+                </a:tc>
+                <a:tc>
+                  <a:txBody>
+                    <a:bodyPr/>
+                    <a:lstStyle/>
+                    <a:p>
+                      <a:pPr algn="ctr"/>
+                      <a:r>
+                        <a:rPr lang="en-US" altLang="zh-CN" dirty="0" smtClean="0"/>
+                        <a:t>Analysis and Classification of Phonation Modes in Singing</a:t>
+                      </a:r>
+                      <a:endParaRPr lang="zh-CN" altLang="en-US" dirty="0"/>
+                    </a:p>
+                  </a:txBody>
+                  <a:tcPr/>
+                </a:tc>
+                <a:tc>
+                  <a:txBody>
+                    <a:bodyPr/>
+                    <a:lstStyle/>
+                    <a:p>
+                      <a:pPr algn="ctr"/>
+                      <a:r>
+                        <a:rPr lang="en-US" altLang="zh-CN" dirty="0" smtClean="0"/>
+                        <a:t>17/10/30</a:t>
+                      </a:r>
+                      <a:endParaRPr lang="zh-CN" altLang="en-US" dirty="0"/>
+                    </a:p>
+                  </a:txBody>
+                  <a:tcPr/>
+                </a:tc>
+                <a:tc>
+                  <a:txBody>
+                    <a:bodyPr/>
+                    <a:lstStyle/>
+                    <a:p>
+                      <a:pPr algn="ctr"/>
+                      <a:r>
+                        <a:rPr lang="en-US" altLang="zh-CN" dirty="0" smtClean="0"/>
+                        <a:t>17/10/31</a:t>
+                      </a:r>
+                      <a:endParaRPr lang="zh-CN" altLang="en-US" dirty="0"/>
+                    </a:p>
+                  </a:txBody>
+                  <a:tcPr/>
+                </a:tc>
+                <a:tc>
+                  <a:txBody>
+                    <a:bodyPr/>
+                    <a:lstStyle/>
+                    <a:p>
+                      <a:pPr algn="ctr"/>
+                      <a:r>
+                        <a:rPr lang="zh-CN" altLang="en-US" dirty="0" smtClean="0"/>
+                        <a:t>完成</a:t>
+                      </a:r>
+                      <a:endParaRPr lang="zh-CN" altLang="en-US" dirty="0"/>
+                    </a:p>
+                  </a:txBody>
+                  <a:tcPr/>
+                </a:tc>
+                <a:extLst>
+                  <a:ext uri="{0D108BD9-81ED-4DB2-BD59-A6C34878D82A}">
+                    <a16:rowId xmlns:a16="http://schemas.microsoft.com/office/drawing/2014/main" val="1492804893"/>
+                  </a:ext>
+                </a:extLst>
+              </a:tr>
+              <a:tr h="370840">
+                <a:tc>
+                  <a:txBody>
+                    <a:bodyPr/>
+                    <a:lstStyle/>
+                    <a:p>
+                      <a:pPr algn="ctr"/>
+                      <a:r>
+                        <a:rPr lang="en-US" altLang="zh-CN" dirty="0" smtClean="0"/>
+                        <a:t>Term project</a:t>
+                      </a:r>
+                      <a:endParaRPr lang="zh-CN" altLang="en-US" dirty="0"/>
+                    </a:p>
+                  </a:txBody>
+                  <a:tcPr/>
+                </a:tc>
+                <a:tc>
+                  <a:txBody>
+                    <a:bodyPr/>
+                    <a:lstStyle/>
+                    <a:p>
+                      <a:pPr algn="ctr"/>
+                      <a:r>
+                        <a:rPr lang="zh-CN" altLang="en-US" dirty="0" smtClean="0"/>
+                        <a:t>会议记录</a:t>
+                      </a:r>
+                      <a:endParaRPr lang="zh-CN" altLang="en-US" dirty="0"/>
+                    </a:p>
+                  </a:txBody>
+                  <a:tcPr/>
+                </a:tc>
+                <a:tc>
+                  <a:txBody>
+                    <a:bodyPr/>
+                    <a:lstStyle/>
+                    <a:p>
+                      <a:pPr algn="ctr"/>
+                      <a:r>
+                        <a:rPr lang="zh-CN" altLang="en-US" dirty="0" smtClean="0"/>
+                        <a:t>分段调参</a:t>
+                      </a:r>
+                      <a:endParaRPr lang="zh-CN" altLang="en-US" dirty="0"/>
+                    </a:p>
+                  </a:txBody>
+                  <a:tcPr/>
+                </a:tc>
+                <a:tc>
+                  <a:txBody>
+                    <a:bodyPr/>
+                    <a:lstStyle/>
+                    <a:p>
+                      <a:pPr algn="ctr"/>
+                      <a:r>
+                        <a:rPr lang="en-US" altLang="zh-CN" dirty="0" smtClean="0"/>
+                        <a:t>17/11/01</a:t>
+                      </a:r>
+                      <a:endParaRPr lang="zh-CN" altLang="en-US" dirty="0"/>
+                    </a:p>
+                  </a:txBody>
+                  <a:tcPr/>
+                </a:tc>
+                <a:tc>
+                  <a:txBody>
+                    <a:bodyPr/>
+                    <a:lstStyle/>
+                    <a:p>
+                      <a:pPr algn="ctr"/>
+                      <a:r>
+                        <a:rPr lang="en-US" altLang="zh-CN" dirty="0" smtClean="0"/>
+                        <a:t>17/11/02</a:t>
+                      </a:r>
+                      <a:endParaRPr lang="zh-CN" altLang="en-US" dirty="0"/>
+                    </a:p>
+                  </a:txBody>
+                  <a:tcPr/>
+                </a:tc>
+                <a:tc>
+                  <a:txBody>
+                    <a:bodyPr/>
+                    <a:lstStyle/>
+                    <a:p>
+                      <a:pPr algn="ctr"/>
+                      <a:r>
+                        <a:rPr lang="zh-CN" altLang="en-US" dirty="0" smtClean="0"/>
+                        <a:t>完成</a:t>
+                      </a:r>
+                      <a:endParaRPr lang="zh-CN" altLang="en-US" dirty="0"/>
+                    </a:p>
+                  </a:txBody>
+                  <a:tcPr/>
+                </a:tc>
+                <a:extLst>
+                  <a:ext uri="{0D108BD9-81ED-4DB2-BD59-A6C34878D82A}">
+                    <a16:rowId xmlns:a16="http://schemas.microsoft.com/office/drawing/2014/main" val="2188292132"/>
+                  </a:ext>
+                </a:extLst>
+              </a:tr>
+              <a:tr h="370840">
+                <a:tc>
+                  <a:txBody>
+                    <a:bodyPr/>
+                    <a:lstStyle/>
+                    <a:p>
+                      <a:pPr algn="ctr"/>
+                      <a:r>
+                        <a:rPr lang="en-US" altLang="zh-CN" dirty="0" smtClean="0"/>
+                        <a:t>Term project</a:t>
+                      </a:r>
+                      <a:endParaRPr lang="zh-CN" altLang="en-US" dirty="0"/>
+                    </a:p>
+                  </a:txBody>
+                  <a:tcPr/>
+                </a:tc>
+                <a:tc>
+                  <a:txBody>
+                    <a:bodyPr/>
+                    <a:lstStyle/>
+                    <a:p>
+                      <a:pPr algn="ctr"/>
+                      <a:r>
+                        <a:rPr lang="zh-CN" altLang="en-US" dirty="0" smtClean="0"/>
+                        <a:t>会议记录</a:t>
+                      </a:r>
+                      <a:endParaRPr lang="zh-CN" altLang="en-US" dirty="0"/>
+                    </a:p>
+                  </a:txBody>
+                  <a:tcPr/>
+                </a:tc>
+                <a:tc>
+                  <a:txBody>
+                    <a:bodyPr/>
+                    <a:lstStyle/>
+                    <a:p>
+                      <a:pPr algn="ctr"/>
+                      <a:r>
+                        <a:rPr lang="en-US" altLang="zh-CN" dirty="0" smtClean="0"/>
+                        <a:t>GUI</a:t>
+                      </a:r>
+                      <a:r>
+                        <a:rPr lang="en-US" altLang="zh-CN" baseline="0" dirty="0" smtClean="0"/>
+                        <a:t> </a:t>
+                      </a:r>
+                      <a:r>
+                        <a:rPr lang="zh-CN" altLang="en-US" baseline="0" dirty="0" smtClean="0"/>
+                        <a:t>完善</a:t>
+                      </a:r>
+                      <a:endParaRPr lang="zh-CN" altLang="en-US" dirty="0"/>
+                    </a:p>
+                  </a:txBody>
+                  <a:tcPr/>
+                </a:tc>
+                <a:tc>
+                  <a:txBody>
+                    <a:bodyPr/>
+                    <a:lstStyle/>
+                    <a:p>
+                      <a:pPr algn="ctr"/>
+                      <a:r>
+                        <a:rPr lang="en-US" altLang="zh-CN" dirty="0" smtClean="0"/>
+                        <a:t>17/11/03</a:t>
+                      </a:r>
+                      <a:endParaRPr lang="zh-CN" altLang="en-US" dirty="0"/>
+                    </a:p>
+                  </a:txBody>
+                  <a:tcPr/>
+                </a:tc>
+                <a:tc>
+                  <a:txBody>
+                    <a:bodyPr/>
+                    <a:lstStyle/>
+                    <a:p>
+                      <a:pPr algn="ctr"/>
+                      <a:endParaRPr lang="zh-CN" altLang="en-US" dirty="0"/>
+                    </a:p>
+                  </a:txBody>
+                  <a:tcPr/>
+                </a:tc>
+                <a:tc>
+                  <a:txBody>
+                    <a:bodyPr/>
+                    <a:lstStyle/>
+                    <a:p>
+                      <a:pPr algn="ctr"/>
+                      <a:endParaRPr lang="zh-CN" altLang="en-US" dirty="0"/>
+                    </a:p>
+                  </a:txBody>
+                  <a:tcPr/>
+                </a:tc>
+                <a:extLst>
+                  <a:ext uri="{0D108BD9-81ED-4DB2-BD59-A6C34878D82A}">
+                    <a16:rowId xmlns:a16="http://schemas.microsoft.com/office/drawing/2014/main" val="2529945380"/>
+                  </a:ext>
+                </a:extLst>
+              </a:tr>
+            </a:tbl>
+          </a:graphicData>
+        </a:graphic>
+      </p:graphicFrame>
+    </p:spTree>
+    <p:extLst>
+      <p:ext uri="{BB962C8B-B14F-4D97-AF65-F5344CB8AC3E}">
+        <p14:creationId xmlns:p14="http://schemas.microsoft.com/office/powerpoint/2010/main" val="3722740902"/>
       </p:ext>
     </p:extLst>
   </p:cSld>

--- a/TimeLine.pptx
+++ b/TimeLine.pptx
@@ -4924,7 +4924,7 @@
             <p:ph idx="1"/>
             <p:extLst>
               <p:ext uri="{D42A27DB-BD31-4B8C-83A1-F6EECF244321}">
-                <p14:modId xmlns:p14="http://schemas.microsoft.com/office/powerpoint/2010/main" val="825327871"/>
+                <p14:modId xmlns:p14="http://schemas.microsoft.com/office/powerpoint/2010/main" val="2772018930"/>
               </p:ext>
             </p:extLst>
           </p:nvPr>
@@ -5627,31 +5627,23 @@
                     <a:p>
                       <a:pPr algn="ctr"/>
                       <a:r>
+                        <a:rPr lang="zh-CN" altLang="en-US" dirty="0" smtClean="0"/>
+                        <a:t>模块整合</a:t>
+                      </a:r>
+                      <a:endParaRPr lang="zh-CN" altLang="en-US" dirty="0"/>
+                    </a:p>
+                  </a:txBody>
+                  <a:tcPr/>
+                </a:tc>
+                <a:tc>
+                  <a:txBody>
+                    <a:bodyPr/>
+                    <a:lstStyle/>
+                    <a:p>
+                      <a:pPr algn="ctr"/>
+                      <a:r>
                         <a:rPr lang="en-US" altLang="zh-CN" dirty="0" smtClean="0"/>
-                        <a:t>GUI</a:t>
-                      </a:r>
-                      <a:r>
-                        <a:rPr lang="en-US" altLang="zh-CN" baseline="0" dirty="0" smtClean="0"/>
-                        <a:t> </a:t>
-                      </a:r>
-                      <a:r>
-                        <a:rPr lang="zh-CN" altLang="en-US" baseline="0" dirty="0" smtClean="0"/>
-                        <a:t>完善</a:t>
-                      </a:r>
-                      <a:endParaRPr lang="zh-CN" altLang="en-US" dirty="0"/>
-                    </a:p>
-                  </a:txBody>
-                  <a:tcPr/>
-                </a:tc>
-                <a:tc>
-                  <a:txBody>
-                    <a:bodyPr/>
-                    <a:lstStyle/>
-                    <a:p>
-                      <a:pPr algn="ctr"/>
-                      <a:r>
-                        <a:rPr lang="en-US" altLang="zh-CN" dirty="0" smtClean="0"/>
-                        <a:t>17/11/03</a:t>
+                        <a:t>17/11/02</a:t>
                       </a:r>
                       <a:endParaRPr lang="zh-CN" altLang="en-US" dirty="0"/>
                     </a:p>
